--- a/docs/myPresentation.pptx
+++ b/docs/myPresentation.pptx
@@ -8,6 +8,7 @@
   <p:sldIdLst>
     <p:sldId id="256" r:id="rId4"/>
     <p:sldId id="257" r:id="rId5"/>
+    <p:sldId id="258" r:id="rId6"/>
   </p:sldIdLst>
   <p:sldSz cx="9144000" cy="6858000"/>
   <p:notesSz cx="7559675" cy="10691812"/>
@@ -65,8 +66,8 @@
         </p:nvSpPr>
         <p:spPr>
           <a:xfrm>
-            <a:off x="457200" y="-161280"/>
-            <a:ext cx="8229240" cy="1434240"/>
+            <a:off x="457200" y="221040"/>
+            <a:ext cx="8229240" cy="1250280"/>
           </a:xfrm>
           <a:prstGeom prst="rect">
             <a:avLst/>
@@ -96,8 +97,8 @@
         </p:nvSpPr>
         <p:spPr>
           <a:xfrm>
-            <a:off x="457200" y="1219320"/>
-            <a:ext cx="8229240" cy="2340360"/>
+            <a:off x="457200" y="1604520"/>
+            <a:ext cx="8229240" cy="1896840"/>
           </a:xfrm>
           <a:prstGeom prst="rect">
             <a:avLst/>
@@ -126,8 +127,8 @@
         </p:nvSpPr>
         <p:spPr>
           <a:xfrm>
-            <a:off x="457200" y="3782520"/>
-            <a:ext cx="8229240" cy="2340360"/>
+            <a:off x="457200" y="3682080"/>
+            <a:ext cx="8229240" cy="1896840"/>
           </a:xfrm>
           <a:prstGeom prst="rect">
             <a:avLst/>
@@ -178,8 +179,8 @@
         </p:nvSpPr>
         <p:spPr>
           <a:xfrm>
-            <a:off x="457200" y="-161280"/>
-            <a:ext cx="8229240" cy="1434240"/>
+            <a:off x="457200" y="221040"/>
+            <a:ext cx="8229240" cy="1250280"/>
           </a:xfrm>
           <a:prstGeom prst="rect">
             <a:avLst/>
@@ -209,8 +210,8 @@
         </p:nvSpPr>
         <p:spPr>
           <a:xfrm>
-            <a:off x="457200" y="1219320"/>
-            <a:ext cx="4015800" cy="2340360"/>
+            <a:off x="457200" y="1604520"/>
+            <a:ext cx="4015800" cy="1896840"/>
           </a:xfrm>
           <a:prstGeom prst="rect">
             <a:avLst/>
@@ -239,8 +240,8 @@
         </p:nvSpPr>
         <p:spPr>
           <a:xfrm>
-            <a:off x="4674240" y="1219320"/>
-            <a:ext cx="4015800" cy="2340360"/>
+            <a:off x="4674240" y="1604520"/>
+            <a:ext cx="4015800" cy="1896840"/>
           </a:xfrm>
           <a:prstGeom prst="rect">
             <a:avLst/>
@@ -269,8 +270,8 @@
         </p:nvSpPr>
         <p:spPr>
           <a:xfrm>
-            <a:off x="457200" y="3782520"/>
-            <a:ext cx="4015800" cy="2340360"/>
+            <a:off x="457200" y="3682080"/>
+            <a:ext cx="4015800" cy="1896840"/>
           </a:xfrm>
           <a:prstGeom prst="rect">
             <a:avLst/>
@@ -299,8 +300,8 @@
         </p:nvSpPr>
         <p:spPr>
           <a:xfrm>
-            <a:off x="4674240" y="3782520"/>
-            <a:ext cx="4015800" cy="2340360"/>
+            <a:off x="4674240" y="3682080"/>
+            <a:ext cx="4015800" cy="1896840"/>
           </a:xfrm>
           <a:prstGeom prst="rect">
             <a:avLst/>
@@ -351,8 +352,8 @@
         </p:nvSpPr>
         <p:spPr>
           <a:xfrm>
-            <a:off x="457200" y="-161280"/>
-            <a:ext cx="8229240" cy="1434240"/>
+            <a:off x="457200" y="221040"/>
+            <a:ext cx="8229240" cy="1250280"/>
           </a:xfrm>
           <a:prstGeom prst="rect">
             <a:avLst/>
@@ -382,8 +383,8 @@
         </p:nvSpPr>
         <p:spPr>
           <a:xfrm>
-            <a:off x="457200" y="1219320"/>
-            <a:ext cx="2649600" cy="2340360"/>
+            <a:off x="457200" y="1604520"/>
+            <a:ext cx="2649600" cy="1896840"/>
           </a:xfrm>
           <a:prstGeom prst="rect">
             <a:avLst/>
@@ -391,7 +392,7 @@
         </p:spPr>
         <p:txBody>
           <a:bodyPr lIns="0" rIns="0" tIns="0" bIns="0">
-            <a:normAutofit/>
+            <a:normAutofit fontScale="76000"/>
           </a:bodyPr>
           <a:p>
             <a:endParaRPr b="0" lang="en-US" sz="3200" spc="-1" strike="noStrike">
@@ -412,8 +413,8 @@
         </p:nvSpPr>
         <p:spPr>
           <a:xfrm>
-            <a:off x="3239640" y="1219320"/>
-            <a:ext cx="2649600" cy="2340360"/>
+            <a:off x="3239640" y="1604520"/>
+            <a:ext cx="2649600" cy="1896840"/>
           </a:xfrm>
           <a:prstGeom prst="rect">
             <a:avLst/>
@@ -421,7 +422,7 @@
         </p:spPr>
         <p:txBody>
           <a:bodyPr lIns="0" rIns="0" tIns="0" bIns="0">
-            <a:normAutofit/>
+            <a:normAutofit fontScale="76000"/>
           </a:bodyPr>
           <a:p>
             <a:endParaRPr b="0" lang="en-US" sz="3200" spc="-1" strike="noStrike">
@@ -442,8 +443,8 @@
         </p:nvSpPr>
         <p:spPr>
           <a:xfrm>
-            <a:off x="6022080" y="1219320"/>
-            <a:ext cx="2649600" cy="2340360"/>
+            <a:off x="6022080" y="1604520"/>
+            <a:ext cx="2649600" cy="1896840"/>
           </a:xfrm>
           <a:prstGeom prst="rect">
             <a:avLst/>
@@ -451,7 +452,7 @@
         </p:spPr>
         <p:txBody>
           <a:bodyPr lIns="0" rIns="0" tIns="0" bIns="0">
-            <a:normAutofit/>
+            <a:normAutofit fontScale="76000"/>
           </a:bodyPr>
           <a:p>
             <a:endParaRPr b="0" lang="en-US" sz="3200" spc="-1" strike="noStrike">
@@ -472,8 +473,8 @@
         </p:nvSpPr>
         <p:spPr>
           <a:xfrm>
-            <a:off x="457200" y="3782520"/>
-            <a:ext cx="2649600" cy="2340360"/>
+            <a:off x="457200" y="3682080"/>
+            <a:ext cx="2649600" cy="1896840"/>
           </a:xfrm>
           <a:prstGeom prst="rect">
             <a:avLst/>
@@ -481,7 +482,7 @@
         </p:spPr>
         <p:txBody>
           <a:bodyPr lIns="0" rIns="0" tIns="0" bIns="0">
-            <a:normAutofit/>
+            <a:normAutofit fontScale="76000"/>
           </a:bodyPr>
           <a:p>
             <a:endParaRPr b="0" lang="en-US" sz="3200" spc="-1" strike="noStrike">
@@ -502,8 +503,8 @@
         </p:nvSpPr>
         <p:spPr>
           <a:xfrm>
-            <a:off x="3239640" y="3782520"/>
-            <a:ext cx="2649600" cy="2340360"/>
+            <a:off x="3239640" y="3682080"/>
+            <a:ext cx="2649600" cy="1896840"/>
           </a:xfrm>
           <a:prstGeom prst="rect">
             <a:avLst/>
@@ -511,7 +512,7 @@
         </p:spPr>
         <p:txBody>
           <a:bodyPr lIns="0" rIns="0" tIns="0" bIns="0">
-            <a:normAutofit/>
+            <a:normAutofit fontScale="76000"/>
           </a:bodyPr>
           <a:p>
             <a:endParaRPr b="0" lang="en-US" sz="3200" spc="-1" strike="noStrike">
@@ -532,8 +533,8 @@
         </p:nvSpPr>
         <p:spPr>
           <a:xfrm>
-            <a:off x="6022080" y="3782520"/>
-            <a:ext cx="2649600" cy="2340360"/>
+            <a:off x="6022080" y="3682080"/>
+            <a:ext cx="2649600" cy="1896840"/>
           </a:xfrm>
           <a:prstGeom prst="rect">
             <a:avLst/>
@@ -541,7 +542,7 @@
         </p:spPr>
         <p:txBody>
           <a:bodyPr lIns="0" rIns="0" tIns="0" bIns="0">
-            <a:normAutofit/>
+            <a:normAutofit fontScale="76000"/>
           </a:bodyPr>
           <a:p>
             <a:endParaRPr b="0" lang="en-US" sz="3200" spc="-1" strike="noStrike">
@@ -606,8 +607,8 @@
         </p:nvSpPr>
         <p:spPr>
           <a:xfrm>
-            <a:off x="457200" y="-161280"/>
-            <a:ext cx="8229240" cy="1434240"/>
+            <a:off x="457200" y="221040"/>
+            <a:ext cx="8229240" cy="1250280"/>
           </a:xfrm>
           <a:prstGeom prst="rect">
             <a:avLst/>
@@ -637,8 +638,8 @@
         </p:nvSpPr>
         <p:spPr>
           <a:xfrm>
-            <a:off x="457200" y="1219320"/>
-            <a:ext cx="8229240" cy="4906440"/>
+            <a:off x="457200" y="1604520"/>
+            <a:ext cx="8229240" cy="3977280"/>
           </a:xfrm>
           <a:prstGeom prst="rect">
             <a:avLst/>
@@ -690,8 +691,8 @@
         </p:nvSpPr>
         <p:spPr>
           <a:xfrm>
-            <a:off x="457200" y="-161280"/>
-            <a:ext cx="8229240" cy="1434240"/>
+            <a:off x="457200" y="221040"/>
+            <a:ext cx="8229240" cy="1250280"/>
           </a:xfrm>
           <a:prstGeom prst="rect">
             <a:avLst/>
@@ -721,8 +722,8 @@
         </p:nvSpPr>
         <p:spPr>
           <a:xfrm>
-            <a:off x="457200" y="1219320"/>
-            <a:ext cx="8229240" cy="4906440"/>
+            <a:off x="457200" y="1604520"/>
+            <a:ext cx="8229240" cy="3977280"/>
           </a:xfrm>
           <a:prstGeom prst="rect">
             <a:avLst/>
@@ -773,8 +774,8 @@
         </p:nvSpPr>
         <p:spPr>
           <a:xfrm>
-            <a:off x="457200" y="-161280"/>
-            <a:ext cx="8229240" cy="1434240"/>
+            <a:off x="457200" y="221040"/>
+            <a:ext cx="8229240" cy="1250280"/>
           </a:xfrm>
           <a:prstGeom prst="rect">
             <a:avLst/>
@@ -804,8 +805,8 @@
         </p:nvSpPr>
         <p:spPr>
           <a:xfrm>
-            <a:off x="457200" y="1219320"/>
-            <a:ext cx="4015800" cy="4906440"/>
+            <a:off x="457200" y="1604520"/>
+            <a:ext cx="4015800" cy="3977280"/>
           </a:xfrm>
           <a:prstGeom prst="rect">
             <a:avLst/>
@@ -834,8 +835,8 @@
         </p:nvSpPr>
         <p:spPr>
           <a:xfrm>
-            <a:off x="4674240" y="1219320"/>
-            <a:ext cx="4015800" cy="4906440"/>
+            <a:off x="4674240" y="1604520"/>
+            <a:ext cx="4015800" cy="3977280"/>
           </a:xfrm>
           <a:prstGeom prst="rect">
             <a:avLst/>
@@ -886,8 +887,8 @@
         </p:nvSpPr>
         <p:spPr>
           <a:xfrm>
-            <a:off x="457200" y="-161280"/>
-            <a:ext cx="8229240" cy="1434240"/>
+            <a:off x="457200" y="221040"/>
+            <a:ext cx="8229240" cy="1250280"/>
           </a:xfrm>
           <a:prstGeom prst="rect">
             <a:avLst/>
@@ -939,8 +940,8 @@
         </p:nvSpPr>
         <p:spPr>
           <a:xfrm>
-            <a:off x="457200" y="-161280"/>
-            <a:ext cx="8229240" cy="6649560"/>
+            <a:off x="457200" y="273600"/>
+            <a:ext cx="8229240" cy="5307840"/>
           </a:xfrm>
           <a:prstGeom prst="rect">
             <a:avLst/>
@@ -992,8 +993,8 @@
         </p:nvSpPr>
         <p:spPr>
           <a:xfrm>
-            <a:off x="457200" y="-161280"/>
-            <a:ext cx="8229240" cy="1434240"/>
+            <a:off x="457200" y="221040"/>
+            <a:ext cx="8229240" cy="1250280"/>
           </a:xfrm>
           <a:prstGeom prst="rect">
             <a:avLst/>
@@ -1023,8 +1024,8 @@
         </p:nvSpPr>
         <p:spPr>
           <a:xfrm>
-            <a:off x="457200" y="1219320"/>
-            <a:ext cx="4015800" cy="2340360"/>
+            <a:off x="457200" y="1604520"/>
+            <a:ext cx="4015800" cy="1896840"/>
           </a:xfrm>
           <a:prstGeom prst="rect">
             <a:avLst/>
@@ -1053,8 +1054,8 @@
         </p:nvSpPr>
         <p:spPr>
           <a:xfrm>
-            <a:off x="4674240" y="1219320"/>
-            <a:ext cx="4015800" cy="4906440"/>
+            <a:off x="4674240" y="1604520"/>
+            <a:ext cx="4015800" cy="3977280"/>
           </a:xfrm>
           <a:prstGeom prst="rect">
             <a:avLst/>
@@ -1083,8 +1084,8 @@
         </p:nvSpPr>
         <p:spPr>
           <a:xfrm>
-            <a:off x="457200" y="3782520"/>
-            <a:ext cx="4015800" cy="2340360"/>
+            <a:off x="457200" y="3682080"/>
+            <a:ext cx="4015800" cy="1896840"/>
           </a:xfrm>
           <a:prstGeom prst="rect">
             <a:avLst/>
@@ -1135,8 +1136,8 @@
         </p:nvSpPr>
         <p:spPr>
           <a:xfrm>
-            <a:off x="457200" y="-161280"/>
-            <a:ext cx="8229240" cy="1434240"/>
+            <a:off x="457200" y="221040"/>
+            <a:ext cx="8229240" cy="1250280"/>
           </a:xfrm>
           <a:prstGeom prst="rect">
             <a:avLst/>
@@ -1166,8 +1167,8 @@
         </p:nvSpPr>
         <p:spPr>
           <a:xfrm>
-            <a:off x="457200" y="1219320"/>
-            <a:ext cx="8229240" cy="4906440"/>
+            <a:off x="457200" y="1604520"/>
+            <a:ext cx="8229240" cy="3977280"/>
           </a:xfrm>
           <a:prstGeom prst="rect">
             <a:avLst/>
@@ -1219,8 +1220,8 @@
         </p:nvSpPr>
         <p:spPr>
           <a:xfrm>
-            <a:off x="457200" y="-161280"/>
-            <a:ext cx="8229240" cy="1434240"/>
+            <a:off x="457200" y="221040"/>
+            <a:ext cx="8229240" cy="1250280"/>
           </a:xfrm>
           <a:prstGeom prst="rect">
             <a:avLst/>
@@ -1250,8 +1251,8 @@
         </p:nvSpPr>
         <p:spPr>
           <a:xfrm>
-            <a:off x="457200" y="1219320"/>
-            <a:ext cx="4015800" cy="4906440"/>
+            <a:off x="457200" y="1604520"/>
+            <a:ext cx="4015800" cy="3977280"/>
           </a:xfrm>
           <a:prstGeom prst="rect">
             <a:avLst/>
@@ -1280,8 +1281,8 @@
         </p:nvSpPr>
         <p:spPr>
           <a:xfrm>
-            <a:off x="4674240" y="1219320"/>
-            <a:ext cx="4015800" cy="2340360"/>
+            <a:off x="4674240" y="1604520"/>
+            <a:ext cx="4015800" cy="1896840"/>
           </a:xfrm>
           <a:prstGeom prst="rect">
             <a:avLst/>
@@ -1310,8 +1311,8 @@
         </p:nvSpPr>
         <p:spPr>
           <a:xfrm>
-            <a:off x="4674240" y="3782520"/>
-            <a:ext cx="4015800" cy="2340360"/>
+            <a:off x="4674240" y="3682080"/>
+            <a:ext cx="4015800" cy="1896840"/>
           </a:xfrm>
           <a:prstGeom prst="rect">
             <a:avLst/>
@@ -1362,8 +1363,8 @@
         </p:nvSpPr>
         <p:spPr>
           <a:xfrm>
-            <a:off x="457200" y="-161280"/>
-            <a:ext cx="8229240" cy="1434240"/>
+            <a:off x="457200" y="221040"/>
+            <a:ext cx="8229240" cy="1250280"/>
           </a:xfrm>
           <a:prstGeom prst="rect">
             <a:avLst/>
@@ -1393,8 +1394,8 @@
         </p:nvSpPr>
         <p:spPr>
           <a:xfrm>
-            <a:off x="457200" y="1219320"/>
-            <a:ext cx="4015800" cy="2340360"/>
+            <a:off x="457200" y="1604520"/>
+            <a:ext cx="4015800" cy="1896840"/>
           </a:xfrm>
           <a:prstGeom prst="rect">
             <a:avLst/>
@@ -1423,8 +1424,8 @@
         </p:nvSpPr>
         <p:spPr>
           <a:xfrm>
-            <a:off x="4674240" y="1219320"/>
-            <a:ext cx="4015800" cy="2340360"/>
+            <a:off x="4674240" y="1604520"/>
+            <a:ext cx="4015800" cy="1896840"/>
           </a:xfrm>
           <a:prstGeom prst="rect">
             <a:avLst/>
@@ -1453,8 +1454,8 @@
         </p:nvSpPr>
         <p:spPr>
           <a:xfrm>
-            <a:off x="457200" y="3782520"/>
-            <a:ext cx="8229240" cy="2340360"/>
+            <a:off x="457200" y="3682080"/>
+            <a:ext cx="8229240" cy="1896840"/>
           </a:xfrm>
           <a:prstGeom prst="rect">
             <a:avLst/>
@@ -1505,8 +1506,8 @@
         </p:nvSpPr>
         <p:spPr>
           <a:xfrm>
-            <a:off x="457200" y="-161280"/>
-            <a:ext cx="8229240" cy="1434240"/>
+            <a:off x="457200" y="221040"/>
+            <a:ext cx="8229240" cy="1250280"/>
           </a:xfrm>
           <a:prstGeom prst="rect">
             <a:avLst/>
@@ -1536,8 +1537,8 @@
         </p:nvSpPr>
         <p:spPr>
           <a:xfrm>
-            <a:off x="457200" y="1219320"/>
-            <a:ext cx="8229240" cy="2340360"/>
+            <a:off x="457200" y="1604520"/>
+            <a:ext cx="8229240" cy="1896840"/>
           </a:xfrm>
           <a:prstGeom prst="rect">
             <a:avLst/>
@@ -1566,8 +1567,8 @@
         </p:nvSpPr>
         <p:spPr>
           <a:xfrm>
-            <a:off x="457200" y="3782520"/>
-            <a:ext cx="8229240" cy="2340360"/>
+            <a:off x="457200" y="3682080"/>
+            <a:ext cx="8229240" cy="1896840"/>
           </a:xfrm>
           <a:prstGeom prst="rect">
             <a:avLst/>
@@ -1618,8 +1619,8 @@
         </p:nvSpPr>
         <p:spPr>
           <a:xfrm>
-            <a:off x="457200" y="-161280"/>
-            <a:ext cx="8229240" cy="1434240"/>
+            <a:off x="457200" y="221040"/>
+            <a:ext cx="8229240" cy="1250280"/>
           </a:xfrm>
           <a:prstGeom prst="rect">
             <a:avLst/>
@@ -1649,8 +1650,8 @@
         </p:nvSpPr>
         <p:spPr>
           <a:xfrm>
-            <a:off x="457200" y="1219320"/>
-            <a:ext cx="4015800" cy="2340360"/>
+            <a:off x="457200" y="1604520"/>
+            <a:ext cx="4015800" cy="1896840"/>
           </a:xfrm>
           <a:prstGeom prst="rect">
             <a:avLst/>
@@ -1679,8 +1680,8 @@
         </p:nvSpPr>
         <p:spPr>
           <a:xfrm>
-            <a:off x="4674240" y="1219320"/>
-            <a:ext cx="4015800" cy="2340360"/>
+            <a:off x="4674240" y="1604520"/>
+            <a:ext cx="4015800" cy="1896840"/>
           </a:xfrm>
           <a:prstGeom prst="rect">
             <a:avLst/>
@@ -1709,8 +1710,8 @@
         </p:nvSpPr>
         <p:spPr>
           <a:xfrm>
-            <a:off x="457200" y="3782520"/>
-            <a:ext cx="4015800" cy="2340360"/>
+            <a:off x="457200" y="3682080"/>
+            <a:ext cx="4015800" cy="1896840"/>
           </a:xfrm>
           <a:prstGeom prst="rect">
             <a:avLst/>
@@ -1739,8 +1740,8 @@
         </p:nvSpPr>
         <p:spPr>
           <a:xfrm>
-            <a:off x="4674240" y="3782520"/>
-            <a:ext cx="4015800" cy="2340360"/>
+            <a:off x="4674240" y="3682080"/>
+            <a:ext cx="4015800" cy="1896840"/>
           </a:xfrm>
           <a:prstGeom prst="rect">
             <a:avLst/>
@@ -1791,8 +1792,8 @@
         </p:nvSpPr>
         <p:spPr>
           <a:xfrm>
-            <a:off x="457200" y="-161280"/>
-            <a:ext cx="8229240" cy="1434240"/>
+            <a:off x="457200" y="221040"/>
+            <a:ext cx="8229240" cy="1250280"/>
           </a:xfrm>
           <a:prstGeom prst="rect">
             <a:avLst/>
@@ -1822,8 +1823,8 @@
         </p:nvSpPr>
         <p:spPr>
           <a:xfrm>
-            <a:off x="457200" y="1219320"/>
-            <a:ext cx="2649600" cy="2340360"/>
+            <a:off x="457200" y="1604520"/>
+            <a:ext cx="2649600" cy="1896840"/>
           </a:xfrm>
           <a:prstGeom prst="rect">
             <a:avLst/>
@@ -1831,7 +1832,7 @@
         </p:spPr>
         <p:txBody>
           <a:bodyPr lIns="0" rIns="0" tIns="0" bIns="0">
-            <a:normAutofit/>
+            <a:normAutofit fontScale="76000"/>
           </a:bodyPr>
           <a:p>
             <a:endParaRPr b="0" lang="en-US" sz="3200" spc="-1" strike="noStrike">
@@ -1852,8 +1853,8 @@
         </p:nvSpPr>
         <p:spPr>
           <a:xfrm>
-            <a:off x="3239640" y="1219320"/>
-            <a:ext cx="2649600" cy="2340360"/>
+            <a:off x="3239640" y="1604520"/>
+            <a:ext cx="2649600" cy="1896840"/>
           </a:xfrm>
           <a:prstGeom prst="rect">
             <a:avLst/>
@@ -1861,7 +1862,7 @@
         </p:spPr>
         <p:txBody>
           <a:bodyPr lIns="0" rIns="0" tIns="0" bIns="0">
-            <a:normAutofit/>
+            <a:normAutofit fontScale="76000"/>
           </a:bodyPr>
           <a:p>
             <a:endParaRPr b="0" lang="en-US" sz="3200" spc="-1" strike="noStrike">
@@ -1882,8 +1883,8 @@
         </p:nvSpPr>
         <p:spPr>
           <a:xfrm>
-            <a:off x="6022080" y="1219320"/>
-            <a:ext cx="2649600" cy="2340360"/>
+            <a:off x="6022080" y="1604520"/>
+            <a:ext cx="2649600" cy="1896840"/>
           </a:xfrm>
           <a:prstGeom prst="rect">
             <a:avLst/>
@@ -1891,7 +1892,7 @@
         </p:spPr>
         <p:txBody>
           <a:bodyPr lIns="0" rIns="0" tIns="0" bIns="0">
-            <a:normAutofit/>
+            <a:normAutofit fontScale="76000"/>
           </a:bodyPr>
           <a:p>
             <a:endParaRPr b="0" lang="en-US" sz="3200" spc="-1" strike="noStrike">
@@ -1912,8 +1913,8 @@
         </p:nvSpPr>
         <p:spPr>
           <a:xfrm>
-            <a:off x="457200" y="3782520"/>
-            <a:ext cx="2649600" cy="2340360"/>
+            <a:off x="457200" y="3682080"/>
+            <a:ext cx="2649600" cy="1896840"/>
           </a:xfrm>
           <a:prstGeom prst="rect">
             <a:avLst/>
@@ -1921,7 +1922,7 @@
         </p:spPr>
         <p:txBody>
           <a:bodyPr lIns="0" rIns="0" tIns="0" bIns="0">
-            <a:normAutofit/>
+            <a:normAutofit fontScale="76000"/>
           </a:bodyPr>
           <a:p>
             <a:endParaRPr b="0" lang="en-US" sz="3200" spc="-1" strike="noStrike">
@@ -1942,8 +1943,8 @@
         </p:nvSpPr>
         <p:spPr>
           <a:xfrm>
-            <a:off x="3239640" y="3782520"/>
-            <a:ext cx="2649600" cy="2340360"/>
+            <a:off x="3239640" y="3682080"/>
+            <a:ext cx="2649600" cy="1896840"/>
           </a:xfrm>
           <a:prstGeom prst="rect">
             <a:avLst/>
@@ -1951,7 +1952,7 @@
         </p:spPr>
         <p:txBody>
           <a:bodyPr lIns="0" rIns="0" tIns="0" bIns="0">
-            <a:normAutofit/>
+            <a:normAutofit fontScale="76000"/>
           </a:bodyPr>
           <a:p>
             <a:endParaRPr b="0" lang="en-US" sz="3200" spc="-1" strike="noStrike">
@@ -1972,8 +1973,8 @@
         </p:nvSpPr>
         <p:spPr>
           <a:xfrm>
-            <a:off x="6022080" y="3782520"/>
-            <a:ext cx="2649600" cy="2340360"/>
+            <a:off x="6022080" y="3682080"/>
+            <a:ext cx="2649600" cy="1896840"/>
           </a:xfrm>
           <a:prstGeom prst="rect">
             <a:avLst/>
@@ -1981,7 +1982,7 @@
         </p:spPr>
         <p:txBody>
           <a:bodyPr lIns="0" rIns="0" tIns="0" bIns="0">
-            <a:normAutofit/>
+            <a:normAutofit fontScale="76000"/>
           </a:bodyPr>
           <a:p>
             <a:endParaRPr b="0" lang="en-US" sz="3200" spc="-1" strike="noStrike">
@@ -2024,8 +2025,8 @@
         </p:nvSpPr>
         <p:spPr>
           <a:xfrm>
-            <a:off x="457200" y="-161280"/>
-            <a:ext cx="8229240" cy="1434240"/>
+            <a:off x="457200" y="221040"/>
+            <a:ext cx="8229240" cy="1250280"/>
           </a:xfrm>
           <a:prstGeom prst="rect">
             <a:avLst/>
@@ -2055,8 +2056,8 @@
         </p:nvSpPr>
         <p:spPr>
           <a:xfrm>
-            <a:off x="457200" y="1219320"/>
-            <a:ext cx="8229240" cy="4906440"/>
+            <a:off x="457200" y="1604520"/>
+            <a:ext cx="8229240" cy="3977280"/>
           </a:xfrm>
           <a:prstGeom prst="rect">
             <a:avLst/>
@@ -2107,8 +2108,8 @@
         </p:nvSpPr>
         <p:spPr>
           <a:xfrm>
-            <a:off x="457200" y="-161280"/>
-            <a:ext cx="8229240" cy="1434240"/>
+            <a:off x="457200" y="221040"/>
+            <a:ext cx="8229240" cy="1250280"/>
           </a:xfrm>
           <a:prstGeom prst="rect">
             <a:avLst/>
@@ -2138,8 +2139,8 @@
         </p:nvSpPr>
         <p:spPr>
           <a:xfrm>
-            <a:off x="457200" y="1219320"/>
-            <a:ext cx="4015800" cy="4906440"/>
+            <a:off x="457200" y="1604520"/>
+            <a:ext cx="4015800" cy="3977280"/>
           </a:xfrm>
           <a:prstGeom prst="rect">
             <a:avLst/>
@@ -2168,8 +2169,8 @@
         </p:nvSpPr>
         <p:spPr>
           <a:xfrm>
-            <a:off x="4674240" y="1219320"/>
-            <a:ext cx="4015800" cy="4906440"/>
+            <a:off x="4674240" y="1604520"/>
+            <a:ext cx="4015800" cy="3977280"/>
           </a:xfrm>
           <a:prstGeom prst="rect">
             <a:avLst/>
@@ -2220,8 +2221,8 @@
         </p:nvSpPr>
         <p:spPr>
           <a:xfrm>
-            <a:off x="457200" y="-161280"/>
-            <a:ext cx="8229240" cy="1434240"/>
+            <a:off x="457200" y="221040"/>
+            <a:ext cx="8229240" cy="1250280"/>
           </a:xfrm>
           <a:prstGeom prst="rect">
             <a:avLst/>
@@ -2273,8 +2274,8 @@
         </p:nvSpPr>
         <p:spPr>
           <a:xfrm>
-            <a:off x="457200" y="-161280"/>
-            <a:ext cx="8229240" cy="6649560"/>
+            <a:off x="457200" y="273600"/>
+            <a:ext cx="8229240" cy="5307840"/>
           </a:xfrm>
           <a:prstGeom prst="rect">
             <a:avLst/>
@@ -2326,8 +2327,8 @@
         </p:nvSpPr>
         <p:spPr>
           <a:xfrm>
-            <a:off x="457200" y="-161280"/>
-            <a:ext cx="8229240" cy="1434240"/>
+            <a:off x="457200" y="221040"/>
+            <a:ext cx="8229240" cy="1250280"/>
           </a:xfrm>
           <a:prstGeom prst="rect">
             <a:avLst/>
@@ -2357,8 +2358,8 @@
         </p:nvSpPr>
         <p:spPr>
           <a:xfrm>
-            <a:off x="457200" y="1219320"/>
-            <a:ext cx="4015800" cy="2340360"/>
+            <a:off x="457200" y="1604520"/>
+            <a:ext cx="4015800" cy="1896840"/>
           </a:xfrm>
           <a:prstGeom prst="rect">
             <a:avLst/>
@@ -2387,8 +2388,8 @@
         </p:nvSpPr>
         <p:spPr>
           <a:xfrm>
-            <a:off x="4674240" y="1219320"/>
-            <a:ext cx="4015800" cy="4906440"/>
+            <a:off x="4674240" y="1604520"/>
+            <a:ext cx="4015800" cy="3977280"/>
           </a:xfrm>
           <a:prstGeom prst="rect">
             <a:avLst/>
@@ -2417,8 +2418,8 @@
         </p:nvSpPr>
         <p:spPr>
           <a:xfrm>
-            <a:off x="457200" y="3782520"/>
-            <a:ext cx="4015800" cy="2340360"/>
+            <a:off x="457200" y="3682080"/>
+            <a:ext cx="4015800" cy="1896840"/>
           </a:xfrm>
           <a:prstGeom prst="rect">
             <a:avLst/>
@@ -2469,8 +2470,8 @@
         </p:nvSpPr>
         <p:spPr>
           <a:xfrm>
-            <a:off x="457200" y="-161280"/>
-            <a:ext cx="8229240" cy="1434240"/>
+            <a:off x="457200" y="221040"/>
+            <a:ext cx="8229240" cy="1250280"/>
           </a:xfrm>
           <a:prstGeom prst="rect">
             <a:avLst/>
@@ -2500,8 +2501,8 @@
         </p:nvSpPr>
         <p:spPr>
           <a:xfrm>
-            <a:off x="457200" y="1219320"/>
-            <a:ext cx="4015800" cy="4906440"/>
+            <a:off x="457200" y="1604520"/>
+            <a:ext cx="4015800" cy="3977280"/>
           </a:xfrm>
           <a:prstGeom prst="rect">
             <a:avLst/>
@@ -2530,8 +2531,8 @@
         </p:nvSpPr>
         <p:spPr>
           <a:xfrm>
-            <a:off x="4674240" y="1219320"/>
-            <a:ext cx="4015800" cy="2340360"/>
+            <a:off x="4674240" y="1604520"/>
+            <a:ext cx="4015800" cy="1896840"/>
           </a:xfrm>
           <a:prstGeom prst="rect">
             <a:avLst/>
@@ -2560,8 +2561,8 @@
         </p:nvSpPr>
         <p:spPr>
           <a:xfrm>
-            <a:off x="4674240" y="3782520"/>
-            <a:ext cx="4015800" cy="2340360"/>
+            <a:off x="4674240" y="3682080"/>
+            <a:ext cx="4015800" cy="1896840"/>
           </a:xfrm>
           <a:prstGeom prst="rect">
             <a:avLst/>
@@ -2612,8 +2613,8 @@
         </p:nvSpPr>
         <p:spPr>
           <a:xfrm>
-            <a:off x="457200" y="-161280"/>
-            <a:ext cx="8229240" cy="1434240"/>
+            <a:off x="457200" y="221040"/>
+            <a:ext cx="8229240" cy="1250280"/>
           </a:xfrm>
           <a:prstGeom prst="rect">
             <a:avLst/>
@@ -2643,8 +2644,8 @@
         </p:nvSpPr>
         <p:spPr>
           <a:xfrm>
-            <a:off x="457200" y="1219320"/>
-            <a:ext cx="4015800" cy="2340360"/>
+            <a:off x="457200" y="1604520"/>
+            <a:ext cx="4015800" cy="1896840"/>
           </a:xfrm>
           <a:prstGeom prst="rect">
             <a:avLst/>
@@ -2673,8 +2674,8 @@
         </p:nvSpPr>
         <p:spPr>
           <a:xfrm>
-            <a:off x="4674240" y="1219320"/>
-            <a:ext cx="4015800" cy="2340360"/>
+            <a:off x="4674240" y="1604520"/>
+            <a:ext cx="4015800" cy="1896840"/>
           </a:xfrm>
           <a:prstGeom prst="rect">
             <a:avLst/>
@@ -2703,8 +2704,8 @@
         </p:nvSpPr>
         <p:spPr>
           <a:xfrm>
-            <a:off x="457200" y="3782520"/>
-            <a:ext cx="8229240" cy="2340360"/>
+            <a:off x="457200" y="3682080"/>
+            <a:ext cx="8229240" cy="1896840"/>
           </a:xfrm>
           <a:prstGeom prst="rect">
             <a:avLst/>
@@ -2763,7 +2764,7 @@
         <p:spPr>
           <a:xfrm>
             <a:off x="0" y="6324480"/>
-            <a:ext cx="8732520" cy="323640"/>
+            <a:ext cx="8732160" cy="323280"/>
           </a:xfrm>
           <a:prstGeom prst="rect">
             <a:avLst/>
@@ -2787,7 +2788,7 @@
         <p:spPr>
           <a:xfrm>
             <a:off x="1941480" y="1609560"/>
-            <a:ext cx="7202160" cy="4638600"/>
+            <a:ext cx="7201800" cy="4638240"/>
           </a:xfrm>
           <a:prstGeom prst="rect">
             <a:avLst/>
@@ -2806,7 +2807,7 @@
         <p:spPr>
           <a:xfrm>
             <a:off x="457200" y="914400"/>
-            <a:ext cx="8686440" cy="228240"/>
+            <a:ext cx="8686080" cy="227880"/>
           </a:xfrm>
           <a:custGeom>
             <a:avLst/>
@@ -2866,7 +2867,7 @@
         <p:spPr>
           <a:xfrm>
             <a:off x="8190000" y="6415200"/>
-            <a:ext cx="1161000" cy="367920"/>
+            <a:ext cx="1160640" cy="367560"/>
           </a:xfrm>
           <a:custGeom>
             <a:avLst/>
@@ -2929,7 +2930,7 @@
                 <a:tab algn="l" pos="10058400"/>
               </a:tabLst>
             </a:pPr>
-            <a:fld id="{0EBB89FD-1E9D-4A40-9D8B-DBDEAA45D612}" type="slidenum">
+            <a:fld id="{38AC8079-1D18-40A9-B95B-ACB03DF7BEB4}" type="slidenum">
               <a:rPr b="1" lang="en-US" sz="1800" spc="-1" strike="noStrike">
                 <a:solidFill>
                   <a:srgbClr val="42679b"/>
@@ -2937,7 +2938,7 @@
                 <a:latin typeface="Arial"/>
                 <a:ea typeface="DejaVu Sans"/>
               </a:rPr>
-              <a:t>&lt;номер&gt;</a:t>
+              <a:t>3</a:t>
             </a:fld>
             <a:endParaRPr b="0" lang="en-US" sz="1800" spc="-1" strike="noStrike">
               <a:latin typeface="Arial"/>
@@ -2958,14 +2959,14 @@
         <p:spPr>
           <a:xfrm>
             <a:off x="457200" y="-161280"/>
-            <a:ext cx="8229240" cy="1434240"/>
-          </a:xfrm>
-          <a:prstGeom prst="rect">
-            <a:avLst/>
-          </a:prstGeom>
-        </p:spPr>
-        <p:txBody>
-          <a:bodyPr lIns="90000" rIns="90000" tIns="46800" bIns="46800" anchor="ctr">
+            <a:ext cx="8228880" cy="1433880"/>
+          </a:xfrm>
+          <a:prstGeom prst="rect">
+            <a:avLst/>
+          </a:prstGeom>
+        </p:spPr>
+        <p:txBody>
+          <a:bodyPr lIns="0" rIns="0" tIns="0" bIns="0" anchor="ctr">
             <a:noAutofit/>
           </a:bodyPr>
           <a:p>
@@ -2994,8 +2995,8 @@
         </p:nvSpPr>
         <p:spPr>
           <a:xfrm>
-            <a:off x="457200" y="1604520"/>
-            <a:ext cx="8229240" cy="3977280"/>
+            <a:off x="457200" y="1219320"/>
+            <a:ext cx="8228880" cy="4906080"/>
           </a:xfrm>
           <a:prstGeom prst="rect">
             <a:avLst/>
@@ -3006,7 +3007,7 @@
             <a:normAutofit/>
           </a:bodyPr>
           <a:p>
-            <a:pPr marL="432000" indent="-324000">
+            <a:pPr marL="432000" indent="-324000" algn="ctr">
               <a:spcBef>
                 <a:spcPts val="1417"/>
               </a:spcBef>
@@ -3018,17 +3019,17 @@
               <a:buChar char=""/>
             </a:pPr>
             <a:r>
-              <a:rPr b="0" lang="en-US" sz="3200" spc="-1" strike="noStrike">
+              <a:rPr b="0" lang="en-US" sz="1800" spc="-1" strike="noStrike">
                 <a:latin typeface="Arial"/>
               </a:rPr>
               <a:t>Для правки структуры щёлкните мышью</a:t>
             </a:r>
-            <a:endParaRPr b="0" lang="en-US" sz="3200" spc="-1" strike="noStrike">
-              <a:latin typeface="Arial"/>
-            </a:endParaRPr>
-          </a:p>
-          <a:p>
-            <a:pPr lvl="1" marL="864000" indent="-324000">
+            <a:endParaRPr b="0" lang="en-US" sz="1800" spc="-1" strike="noStrike">
+              <a:latin typeface="Arial"/>
+            </a:endParaRPr>
+          </a:p>
+          <a:p>
+            <a:pPr lvl="1" marL="864000" indent="-324000" algn="ctr">
               <a:spcBef>
                 <a:spcPts val="1134"/>
               </a:spcBef>
@@ -3040,17 +3041,17 @@
               <a:buChar char=""/>
             </a:pPr>
             <a:r>
-              <a:rPr b="0" lang="en-US" sz="2800" spc="-1" strike="noStrike">
+              <a:rPr b="0" lang="en-US" sz="1800" spc="-1" strike="noStrike">
                 <a:latin typeface="Arial"/>
               </a:rPr>
               <a:t>Второй уровень структуры</a:t>
             </a:r>
-            <a:endParaRPr b="0" lang="en-US" sz="2800" spc="-1" strike="noStrike">
-              <a:latin typeface="Arial"/>
-            </a:endParaRPr>
-          </a:p>
-          <a:p>
-            <a:pPr lvl="2" marL="1296000" indent="-288000">
+            <a:endParaRPr b="0" lang="en-US" sz="1800" spc="-1" strike="noStrike">
+              <a:latin typeface="Arial"/>
+            </a:endParaRPr>
+          </a:p>
+          <a:p>
+            <a:pPr lvl="2" marL="1296000" indent="-288000" algn="ctr">
               <a:spcBef>
                 <a:spcPts val="850"/>
               </a:spcBef>
@@ -3062,17 +3063,17 @@
               <a:buChar char=""/>
             </a:pPr>
             <a:r>
-              <a:rPr b="0" lang="en-US" sz="2400" spc="-1" strike="noStrike">
+              <a:rPr b="0" lang="en-US" sz="1800" spc="-1" strike="noStrike">
                 <a:latin typeface="Arial"/>
               </a:rPr>
               <a:t>Третий уровень структуры</a:t>
             </a:r>
-            <a:endParaRPr b="0" lang="en-US" sz="2400" spc="-1" strike="noStrike">
-              <a:latin typeface="Arial"/>
-            </a:endParaRPr>
-          </a:p>
-          <a:p>
-            <a:pPr lvl="3" marL="1728000" indent="-216000">
+            <a:endParaRPr b="0" lang="en-US" sz="1800" spc="-1" strike="noStrike">
+              <a:latin typeface="Arial"/>
+            </a:endParaRPr>
+          </a:p>
+          <a:p>
+            <a:pPr lvl="3" marL="1728000" indent="-216000" algn="ctr">
               <a:spcBef>
                 <a:spcPts val="567"/>
               </a:spcBef>
@@ -3084,17 +3085,17 @@
               <a:buChar char=""/>
             </a:pPr>
             <a:r>
-              <a:rPr b="0" lang="en-US" sz="2000" spc="-1" strike="noStrike">
+              <a:rPr b="0" lang="en-US" sz="1800" spc="-1" strike="noStrike">
                 <a:latin typeface="Arial"/>
               </a:rPr>
               <a:t>Четвёртый уровень структуры</a:t>
             </a:r>
-            <a:endParaRPr b="0" lang="en-US" sz="2000" spc="-1" strike="noStrike">
-              <a:latin typeface="Arial"/>
-            </a:endParaRPr>
-          </a:p>
-          <a:p>
-            <a:pPr lvl="4" marL="2160000" indent="-216000">
+            <a:endParaRPr b="0" lang="en-US" sz="1800" spc="-1" strike="noStrike">
+              <a:latin typeface="Arial"/>
+            </a:endParaRPr>
+          </a:p>
+          <a:p>
+            <a:pPr lvl="4" marL="2160000" indent="-216000" algn="ctr">
               <a:spcBef>
                 <a:spcPts val="283"/>
               </a:spcBef>
@@ -3106,17 +3107,17 @@
               <a:buChar char=""/>
             </a:pPr>
             <a:r>
-              <a:rPr b="0" lang="en-US" sz="2000" spc="-1" strike="noStrike">
+              <a:rPr b="0" lang="en-US" sz="1800" spc="-1" strike="noStrike">
                 <a:latin typeface="Arial"/>
               </a:rPr>
               <a:t>Пятый уровень структуры</a:t>
             </a:r>
-            <a:endParaRPr b="0" lang="en-US" sz="2000" spc="-1" strike="noStrike">
-              <a:latin typeface="Arial"/>
-            </a:endParaRPr>
-          </a:p>
-          <a:p>
-            <a:pPr lvl="5" marL="2592000" indent="-216000">
+            <a:endParaRPr b="0" lang="en-US" sz="1800" spc="-1" strike="noStrike">
+              <a:latin typeface="Arial"/>
+            </a:endParaRPr>
+          </a:p>
+          <a:p>
+            <a:pPr lvl="5" marL="2592000" indent="-216000" algn="ctr">
               <a:spcBef>
                 <a:spcPts val="283"/>
               </a:spcBef>
@@ -3128,17 +3129,17 @@
               <a:buChar char=""/>
             </a:pPr>
             <a:r>
-              <a:rPr b="0" lang="en-US" sz="2000" spc="-1" strike="noStrike">
+              <a:rPr b="0" lang="en-US" sz="1800" spc="-1" strike="noStrike">
                 <a:latin typeface="Arial"/>
               </a:rPr>
               <a:t>Шестой уровень структуры</a:t>
             </a:r>
-            <a:endParaRPr b="0" lang="en-US" sz="2000" spc="-1" strike="noStrike">
-              <a:latin typeface="Arial"/>
-            </a:endParaRPr>
-          </a:p>
-          <a:p>
-            <a:pPr lvl="6" marL="3024000" indent="-216000">
+            <a:endParaRPr b="0" lang="en-US" sz="1800" spc="-1" strike="noStrike">
+              <a:latin typeface="Arial"/>
+            </a:endParaRPr>
+          </a:p>
+          <a:p>
+            <a:pPr lvl="6" marL="3024000" indent="-216000" algn="ctr">
               <a:spcBef>
                 <a:spcPts val="283"/>
               </a:spcBef>
@@ -3150,12 +3151,12 @@
               <a:buChar char=""/>
             </a:pPr>
             <a:r>
-              <a:rPr b="0" lang="en-US" sz="2000" spc="-1" strike="noStrike">
+              <a:rPr b="0" lang="en-US" sz="1800" spc="-1" strike="noStrike">
                 <a:latin typeface="Arial"/>
               </a:rPr>
               <a:t>Седьмой уровень структуры</a:t>
             </a:r>
-            <a:endParaRPr b="0" lang="en-US" sz="2000" spc="-1" strike="noStrike">
+            <a:endParaRPr b="0" lang="en-US" sz="1800" spc="-1" strike="noStrike">
               <a:latin typeface="Arial"/>
             </a:endParaRPr>
           </a:p>
@@ -3218,7 +3219,7 @@
         <p:spPr>
           <a:xfrm>
             <a:off x="0" y="6324480"/>
-            <a:ext cx="8732520" cy="323640"/>
+            <a:ext cx="8732160" cy="323280"/>
           </a:xfrm>
           <a:prstGeom prst="rect">
             <a:avLst/>
@@ -3242,7 +3243,7 @@
         <p:spPr>
           <a:xfrm>
             <a:off x="1941480" y="1609560"/>
-            <a:ext cx="7202160" cy="4638600"/>
+            <a:ext cx="7201800" cy="4638240"/>
           </a:xfrm>
           <a:prstGeom prst="rect">
             <a:avLst/>
@@ -3261,7 +3262,7 @@
         <p:spPr>
           <a:xfrm>
             <a:off x="457200" y="914400"/>
-            <a:ext cx="8686440" cy="228240"/>
+            <a:ext cx="8686080" cy="227880"/>
           </a:xfrm>
           <a:custGeom>
             <a:avLst/>
@@ -3321,7 +3322,7 @@
         <p:spPr>
           <a:xfrm>
             <a:off x="8190000" y="6415200"/>
-            <a:ext cx="1161000" cy="367920"/>
+            <a:ext cx="1160640" cy="367560"/>
           </a:xfrm>
           <a:custGeom>
             <a:avLst/>
@@ -3384,7 +3385,7 @@
                 <a:tab algn="l" pos="10058400"/>
               </a:tabLst>
             </a:pPr>
-            <a:fld id="{0122732F-726D-4743-AA1B-F55AE32E8F92}" type="slidenum">
+            <a:fld id="{EF91C231-EEA1-4F3F-883F-A04801B2169A}" type="slidenum">
               <a:rPr b="1" lang="en-US" sz="1800" spc="-1" strike="noStrike">
                 <a:solidFill>
                   <a:srgbClr val="42679b"/>
@@ -3412,26 +3413,26 @@
         </p:nvSpPr>
         <p:spPr>
           <a:xfrm>
-            <a:off x="457200" y="-161280"/>
-            <a:ext cx="8229240" cy="1434240"/>
-          </a:xfrm>
-          <a:prstGeom prst="rect">
-            <a:avLst/>
-          </a:prstGeom>
-        </p:spPr>
-        <p:txBody>
-          <a:bodyPr lIns="90000" rIns="90000" tIns="46800" bIns="46800" anchor="ctr">
+            <a:off x="457200" y="273600"/>
+            <a:ext cx="8229240" cy="1144800"/>
+          </a:xfrm>
+          <a:prstGeom prst="rect">
+            <a:avLst/>
+          </a:prstGeom>
+        </p:spPr>
+        <p:txBody>
+          <a:bodyPr lIns="0" rIns="0" tIns="0" bIns="0" anchor="ctr">
             <a:noAutofit/>
           </a:bodyPr>
           <a:p>
             <a:pPr algn="ctr"/>
             <a:r>
-              <a:rPr b="0" lang="en-US" sz="1800" spc="-1" strike="noStrike">
+              <a:rPr b="0" lang="en-US" sz="4400" spc="-1" strike="noStrike">
                 <a:latin typeface="Arial"/>
               </a:rPr>
               <a:t>Для правки текста заглавия щёлкните мышью</a:t>
             </a:r>
-            <a:endParaRPr b="0" lang="en-US" sz="1800" spc="-1" strike="noStrike">
+            <a:endParaRPr b="0" lang="en-US" sz="4400" spc="-1" strike="noStrike">
               <a:latin typeface="Arial"/>
             </a:endParaRPr>
           </a:p>
@@ -3449,19 +3450,19 @@
         </p:nvSpPr>
         <p:spPr>
           <a:xfrm>
-            <a:off x="457200" y="1219320"/>
-            <a:ext cx="8229240" cy="4906440"/>
-          </a:xfrm>
-          <a:prstGeom prst="rect">
-            <a:avLst/>
-          </a:prstGeom>
-        </p:spPr>
-        <p:txBody>
-          <a:bodyPr lIns="90000" rIns="90000" tIns="46800" bIns="46800">
+            <a:off x="457200" y="1604520"/>
+            <a:ext cx="8229240" cy="3977280"/>
+          </a:xfrm>
+          <a:prstGeom prst="rect">
+            <a:avLst/>
+          </a:prstGeom>
+        </p:spPr>
+        <p:txBody>
+          <a:bodyPr lIns="0" rIns="0" tIns="0" bIns="0">
             <a:normAutofit/>
           </a:bodyPr>
           <a:p>
-            <a:pPr marL="432000" indent="-324000" algn="ctr">
+            <a:pPr marL="432000" indent="-324000">
               <a:spcBef>
                 <a:spcPts val="1417"/>
               </a:spcBef>
@@ -3473,17 +3474,17 @@
               <a:buChar char=""/>
             </a:pPr>
             <a:r>
-              <a:rPr b="0" lang="en-US" sz="1800" spc="-1" strike="noStrike">
+              <a:rPr b="0" lang="en-US" sz="3200" spc="-1" strike="noStrike">
                 <a:latin typeface="Arial"/>
               </a:rPr>
               <a:t>Для правки структуры щёлкните мышью</a:t>
             </a:r>
-            <a:endParaRPr b="0" lang="en-US" sz="1800" spc="-1" strike="noStrike">
-              <a:latin typeface="Arial"/>
-            </a:endParaRPr>
-          </a:p>
-          <a:p>
-            <a:pPr lvl="1" marL="864000" indent="-324000" algn="ctr">
+            <a:endParaRPr b="0" lang="en-US" sz="3200" spc="-1" strike="noStrike">
+              <a:latin typeface="Arial"/>
+            </a:endParaRPr>
+          </a:p>
+          <a:p>
+            <a:pPr lvl="1" marL="864000" indent="-324000">
               <a:spcBef>
                 <a:spcPts val="1134"/>
               </a:spcBef>
@@ -3495,17 +3496,17 @@
               <a:buChar char=""/>
             </a:pPr>
             <a:r>
-              <a:rPr b="0" lang="en-US" sz="1800" spc="-1" strike="noStrike">
+              <a:rPr b="0" lang="en-US" sz="2800" spc="-1" strike="noStrike">
                 <a:latin typeface="Arial"/>
               </a:rPr>
               <a:t>Второй уровень структуры</a:t>
             </a:r>
-            <a:endParaRPr b="0" lang="en-US" sz="1800" spc="-1" strike="noStrike">
-              <a:latin typeface="Arial"/>
-            </a:endParaRPr>
-          </a:p>
-          <a:p>
-            <a:pPr lvl="2" marL="1296000" indent="-288000" algn="ctr">
+            <a:endParaRPr b="0" lang="en-US" sz="2800" spc="-1" strike="noStrike">
+              <a:latin typeface="Arial"/>
+            </a:endParaRPr>
+          </a:p>
+          <a:p>
+            <a:pPr lvl="2" marL="1296000" indent="-288000">
               <a:spcBef>
                 <a:spcPts val="850"/>
               </a:spcBef>
@@ -3517,17 +3518,17 @@
               <a:buChar char=""/>
             </a:pPr>
             <a:r>
-              <a:rPr b="0" lang="en-US" sz="1800" spc="-1" strike="noStrike">
+              <a:rPr b="0" lang="en-US" sz="2400" spc="-1" strike="noStrike">
                 <a:latin typeface="Arial"/>
               </a:rPr>
               <a:t>Третий уровень структуры</a:t>
             </a:r>
-            <a:endParaRPr b="0" lang="en-US" sz="1800" spc="-1" strike="noStrike">
-              <a:latin typeface="Arial"/>
-            </a:endParaRPr>
-          </a:p>
-          <a:p>
-            <a:pPr lvl="3" marL="1728000" indent="-216000" algn="ctr">
+            <a:endParaRPr b="0" lang="en-US" sz="2400" spc="-1" strike="noStrike">
+              <a:latin typeface="Arial"/>
+            </a:endParaRPr>
+          </a:p>
+          <a:p>
+            <a:pPr lvl="3" marL="1728000" indent="-216000">
               <a:spcBef>
                 <a:spcPts val="567"/>
               </a:spcBef>
@@ -3539,17 +3540,17 @@
               <a:buChar char=""/>
             </a:pPr>
             <a:r>
-              <a:rPr b="0" lang="en-US" sz="1800" spc="-1" strike="noStrike">
+              <a:rPr b="0" lang="en-US" sz="2000" spc="-1" strike="noStrike">
                 <a:latin typeface="Arial"/>
               </a:rPr>
               <a:t>Четвёртый уровень структуры</a:t>
             </a:r>
-            <a:endParaRPr b="0" lang="en-US" sz="1800" spc="-1" strike="noStrike">
-              <a:latin typeface="Arial"/>
-            </a:endParaRPr>
-          </a:p>
-          <a:p>
-            <a:pPr lvl="4" marL="2160000" indent="-216000" algn="ctr">
+            <a:endParaRPr b="0" lang="en-US" sz="2000" spc="-1" strike="noStrike">
+              <a:latin typeface="Arial"/>
+            </a:endParaRPr>
+          </a:p>
+          <a:p>
+            <a:pPr lvl="4" marL="2160000" indent="-216000">
               <a:spcBef>
                 <a:spcPts val="283"/>
               </a:spcBef>
@@ -3561,17 +3562,17 @@
               <a:buChar char=""/>
             </a:pPr>
             <a:r>
-              <a:rPr b="0" lang="en-US" sz="1800" spc="-1" strike="noStrike">
+              <a:rPr b="0" lang="en-US" sz="2000" spc="-1" strike="noStrike">
                 <a:latin typeface="Arial"/>
               </a:rPr>
               <a:t>Пятый уровень структуры</a:t>
             </a:r>
-            <a:endParaRPr b="0" lang="en-US" sz="1800" spc="-1" strike="noStrike">
-              <a:latin typeface="Arial"/>
-            </a:endParaRPr>
-          </a:p>
-          <a:p>
-            <a:pPr lvl="5" marL="2592000" indent="-216000" algn="ctr">
+            <a:endParaRPr b="0" lang="en-US" sz="2000" spc="-1" strike="noStrike">
+              <a:latin typeface="Arial"/>
+            </a:endParaRPr>
+          </a:p>
+          <a:p>
+            <a:pPr lvl="5" marL="2592000" indent="-216000">
               <a:spcBef>
                 <a:spcPts val="283"/>
               </a:spcBef>
@@ -3583,17 +3584,17 @@
               <a:buChar char=""/>
             </a:pPr>
             <a:r>
-              <a:rPr b="0" lang="en-US" sz="1800" spc="-1" strike="noStrike">
+              <a:rPr b="0" lang="en-US" sz="2000" spc="-1" strike="noStrike">
                 <a:latin typeface="Arial"/>
               </a:rPr>
               <a:t>Шестой уровень структуры</a:t>
             </a:r>
-            <a:endParaRPr b="0" lang="en-US" sz="1800" spc="-1" strike="noStrike">
-              <a:latin typeface="Arial"/>
-            </a:endParaRPr>
-          </a:p>
-          <a:p>
-            <a:pPr lvl="6" marL="3024000" indent="-216000" algn="ctr">
+            <a:endParaRPr b="0" lang="en-US" sz="2000" spc="-1" strike="noStrike">
+              <a:latin typeface="Arial"/>
+            </a:endParaRPr>
+          </a:p>
+          <a:p>
+            <a:pPr lvl="6" marL="3024000" indent="-216000">
               <a:spcBef>
                 <a:spcPts val="283"/>
               </a:spcBef>
@@ -3605,12 +3606,12 @@
               <a:buChar char=""/>
             </a:pPr>
             <a:r>
-              <a:rPr b="0" lang="en-US" sz="1800" spc="-1" strike="noStrike">
+              <a:rPr b="0" lang="en-US" sz="2000" spc="-1" strike="noStrike">
                 <a:latin typeface="Arial"/>
               </a:rPr>
               <a:t>Седьмой уровень структуры</a:t>
             </a:r>
-            <a:endParaRPr b="0" lang="en-US" sz="1800" spc="-1" strike="noStrike">
+            <a:endParaRPr b="0" lang="en-US" sz="2000" spc="-1" strike="noStrike">
               <a:latin typeface="Arial"/>
             </a:endParaRPr>
           </a:p>
@@ -3669,7 +3670,7 @@
         <p:spPr>
           <a:xfrm>
             <a:off x="461880" y="1143000"/>
-            <a:ext cx="8153280" cy="4421880"/>
+            <a:ext cx="8152920" cy="4421880"/>
           </a:xfrm>
           <a:custGeom>
             <a:avLst/>
@@ -3840,6 +3841,9 @@
             </a:pPr>
             <a:r>
               <a:rPr b="1" i="1" lang="ru-RU" sz="2400" spc="-1" strike="noStrike">
+                <a:solidFill>
+                  <a:srgbClr val="000000"/>
+                </a:solidFill>
                 <a:latin typeface="Arial"/>
                 <a:ea typeface="Microsoft YaHei"/>
               </a:rPr>
@@ -3871,6 +3875,9 @@
             </a:pPr>
             <a:r>
               <a:rPr b="1" i="1" lang="ru-RU" sz="2400" spc="-1" strike="noStrike">
+                <a:solidFill>
+                  <a:srgbClr val="000000"/>
+                </a:solidFill>
                 <a:latin typeface="Arial"/>
                 <a:ea typeface="Microsoft YaHei"/>
               </a:rPr>
@@ -4087,7 +4094,7 @@
         <p:spPr>
           <a:xfrm>
             <a:off x="8305920" y="6477120"/>
-            <a:ext cx="532800" cy="228240"/>
+            <a:ext cx="532440" cy="227880"/>
           </a:xfrm>
           <a:prstGeom prst="rect">
             <a:avLst/>
@@ -4152,7 +4159,240 @@
         <p:spPr>
           <a:xfrm>
             <a:off x="457200" y="274320"/>
-            <a:ext cx="8229240" cy="563040"/>
+            <a:ext cx="8228880" cy="562680"/>
+          </a:xfrm>
+          <a:prstGeom prst="rect">
+            <a:avLst/>
+          </a:prstGeom>
+          <a:noFill/>
+          <a:ln w="0">
+            <a:noFill/>
+          </a:ln>
+        </p:spPr>
+        <p:style>
+          <a:lnRef idx="0"/>
+          <a:fillRef idx="0"/>
+          <a:effectRef idx="0"/>
+          <a:fontRef idx="minor"/>
+        </p:style>
+      </p:sp>
+      <p:sp>
+        <p:nvSpPr>
+          <p:cNvPr id="87" name="CustomShape 2"/>
+          <p:cNvSpPr/>
+          <p:nvPr/>
+        </p:nvSpPr>
+        <p:spPr>
+          <a:xfrm>
+            <a:off x="228600" y="1219320"/>
+            <a:ext cx="6933600" cy="4906080"/>
+          </a:xfrm>
+          <a:prstGeom prst="rect">
+            <a:avLst/>
+          </a:prstGeom>
+          <a:noFill/>
+          <a:ln w="0">
+            <a:noFill/>
+          </a:ln>
+        </p:spPr>
+        <p:style>
+          <a:lnRef idx="0"/>
+          <a:fillRef idx="0"/>
+          <a:effectRef idx="0"/>
+          <a:fontRef idx="minor"/>
+        </p:style>
+        <p:txBody>
+          <a:bodyPr lIns="90000" rIns="90000" tIns="46800" bIns="46800">
+            <a:normAutofit/>
+          </a:bodyPr>
+          <a:p>
+            <a:pPr marL="342720" indent="-342000">
+              <a:lnSpc>
+                <a:spcPct val="90000"/>
+              </a:lnSpc>
+              <a:spcBef>
+                <a:spcPts val="598"/>
+              </a:spcBef>
+              <a:tabLst>
+                <a:tab algn="l" pos="0"/>
+              </a:tabLst>
+            </a:pPr>
+            <a:endParaRPr b="0" lang="en-US" sz="1800" spc="-1" strike="noStrike">
+              <a:latin typeface="Arial"/>
+            </a:endParaRPr>
+          </a:p>
+          <a:p>
+            <a:pPr marL="342720" indent="-342000" algn="just">
+              <a:lnSpc>
+                <a:spcPct val="90000"/>
+              </a:lnSpc>
+              <a:tabLst>
+                <a:tab algn="l" pos="0"/>
+              </a:tabLst>
+            </a:pPr>
+            <a:endParaRPr b="0" lang="en-US" sz="1800" spc="-1" strike="noStrike">
+              <a:latin typeface="Arial"/>
+            </a:endParaRPr>
+          </a:p>
+        </p:txBody>
+      </p:sp>
+      <p:sp>
+        <p:nvSpPr>
+          <p:cNvPr id="88" name="TextShape 3"/>
+          <p:cNvSpPr txBox="1"/>
+          <p:nvPr/>
+        </p:nvSpPr>
+        <p:spPr>
+          <a:xfrm>
+            <a:off x="457200" y="1371600"/>
+            <a:ext cx="7315200" cy="4343400"/>
+          </a:xfrm>
+          <a:prstGeom prst="rect">
+            <a:avLst/>
+          </a:prstGeom>
+          <a:noFill/>
+          <a:ln w="0">
+            <a:noFill/>
+          </a:ln>
+        </p:spPr>
+        <p:txBody>
+          <a:bodyPr lIns="90000" rIns="90000" tIns="45000" bIns="45000">
+            <a:noAutofit/>
+          </a:bodyPr>
+          <a:p>
+            <a:r>
+              <a:rPr b="1" i="1" lang="ru-RU" sz="2400" spc="-1" strike="noStrike">
+                <a:solidFill>
+                  <a:srgbClr val="000000"/>
+                </a:solidFill>
+                <a:latin typeface="Arial"/>
+                <a:ea typeface="Microsoft YaHei"/>
+              </a:rPr>
+              <a:t>Цель работы </a:t>
+            </a:r>
+            <a:r>
+              <a:rPr b="0" i="1" lang="ru-RU" sz="2400" spc="-1" strike="noStrike">
+                <a:solidFill>
+                  <a:srgbClr val="000000"/>
+                </a:solidFill>
+                <a:latin typeface="Arial"/>
+                <a:ea typeface="Microsoft YaHei"/>
+              </a:rPr>
+              <a:t>– проектирование и разработка информационной системы управления аварийно-профилактической группой.</a:t>
+            </a:r>
+            <a:endParaRPr b="0" lang="en-US" sz="2400" spc="-1" strike="noStrike">
+              <a:latin typeface="Arial"/>
+            </a:endParaRPr>
+          </a:p>
+          <a:p>
+            <a:endParaRPr b="0" lang="en-US" sz="2400" spc="-1" strike="noStrike">
+              <a:latin typeface="Arial"/>
+            </a:endParaRPr>
+          </a:p>
+          <a:p>
+            <a:r>
+              <a:rPr b="1" i="1" lang="ru-RU" sz="2400" spc="-1" strike="noStrike">
+                <a:solidFill>
+                  <a:srgbClr val="000000"/>
+                </a:solidFill>
+                <a:latin typeface="Arial"/>
+                <a:ea typeface="Microsoft YaHei"/>
+              </a:rPr>
+              <a:t>Объект исследования</a:t>
+            </a:r>
+            <a:r>
+              <a:rPr b="0" i="1" lang="ru-RU" sz="2400" spc="-1" strike="noStrike">
+                <a:solidFill>
+                  <a:srgbClr val="000000"/>
+                </a:solidFill>
+                <a:latin typeface="Arial"/>
+                <a:ea typeface="Microsoft YaHei"/>
+              </a:rPr>
+              <a:t> – информационная система управления аварийно-профилактической группой.</a:t>
+            </a:r>
+            <a:endParaRPr b="0" lang="en-US" sz="2400" spc="-1" strike="noStrike">
+              <a:latin typeface="Arial"/>
+            </a:endParaRPr>
+          </a:p>
+          <a:p>
+            <a:endParaRPr b="0" lang="en-US" sz="2400" spc="-1" strike="noStrike">
+              <a:latin typeface="Arial"/>
+            </a:endParaRPr>
+          </a:p>
+          <a:p>
+            <a:r>
+              <a:rPr b="1" i="1" lang="ru-RU" sz="2400" spc="-1" strike="noStrike">
+                <a:solidFill>
+                  <a:srgbClr val="000000"/>
+                </a:solidFill>
+                <a:latin typeface="Arial"/>
+                <a:ea typeface="Microsoft YaHei"/>
+              </a:rPr>
+              <a:t>Предмет исследования</a:t>
+            </a:r>
+            <a:r>
+              <a:rPr b="0" i="1" lang="ru-RU" sz="2400" spc="-1" strike="noStrike">
+                <a:solidFill>
+                  <a:srgbClr val="000000"/>
+                </a:solidFill>
+                <a:latin typeface="Arial"/>
+                <a:ea typeface="Microsoft YaHei"/>
+              </a:rPr>
+              <a:t> – применение современных информационных технологий для создания информационной системы управления аварийно-профилактической группой.</a:t>
+            </a:r>
+            <a:endParaRPr b="0" lang="en-US" sz="2400" spc="-1" strike="noStrike">
+              <a:latin typeface="Arial"/>
+            </a:endParaRPr>
+          </a:p>
+        </p:txBody>
+      </p:sp>
+    </p:spTree>
+  </p:cSld>
+  <mc:AlternateContent>
+    <mc:Choice Requires="p14">
+      <p:transition spd="slow" p14:dur="2000"/>
+    </mc:Choice>
+    <mc:Fallback>
+      <p:transition spd="slow"/>
+    </mc:Fallback>
+  </mc:AlternateContent>
+</p:sld>
+</file>
+
+<file path=ppt/slides/slide3.xml><?xml version="1.0" encoding="utf-8"?>
+<p:sld xmlns:a="http://schemas.openxmlformats.org/drawingml/2006/main" xmlns:p="http://schemas.openxmlformats.org/presentationml/2006/main" xmlns:r="http://schemas.openxmlformats.org/officeDocument/2006/relationships" xmlns:p14="http://schemas.microsoft.com/office/powerpoint/2010/main" xmlns:p15="http://schemas.microsoft.com/office/powerpoint/2012/main" xmlns:mc="http://schemas.openxmlformats.org/markup-compatibility/2006">
+  <p:cSld>
+    <p:bg>
+      <p:bgPr>
+        <a:solidFill>
+          <a:srgbClr val="ffffff"/>
+        </a:solidFill>
+      </p:bgPr>
+    </p:bg>
+    <p:spTree>
+      <p:nvGrpSpPr>
+        <p:cNvPr id="1" name=""/>
+        <p:cNvGrpSpPr/>
+        <p:nvPr/>
+      </p:nvGrpSpPr>
+      <p:grpSpPr>
+        <a:xfrm>
+          <a:off x="0" y="0"/>
+          <a:ext cx="0" cy="0"/>
+          <a:chOff x="0" y="0"/>
+          <a:chExt cx="0" cy="0"/>
+        </a:xfrm>
+      </p:grpSpPr>
+      <p:sp>
+        <p:nvSpPr>
+          <p:cNvPr id="89" name="CustomShape 1"/>
+          <p:cNvSpPr/>
+          <p:nvPr/>
+        </p:nvSpPr>
+        <p:spPr>
+          <a:xfrm>
+            <a:off x="457200" y="274320"/>
+            <a:ext cx="8228880" cy="562680"/>
           </a:xfrm>
           <a:prstGeom prst="rect">
             <a:avLst/>
@@ -4210,14 +4450,14 @@
       </p:sp>
       <p:sp>
         <p:nvSpPr>
-          <p:cNvPr id="87" name="CustomShape 2"/>
+          <p:cNvPr id="90" name="CustomShape 2"/>
           <p:cNvSpPr/>
           <p:nvPr/>
         </p:nvSpPr>
         <p:spPr>
           <a:xfrm>
             <a:off x="228600" y="1219320"/>
-            <a:ext cx="6933960" cy="4906440"/>
+            <a:ext cx="6933600" cy="4906080"/>
           </a:xfrm>
           <a:prstGeom prst="rect">
             <a:avLst/>
@@ -4238,7 +4478,7 @@
             <a:normAutofit/>
           </a:bodyPr>
           <a:p>
-            <a:pPr marL="342720" indent="-342360">
+            <a:pPr marL="342720" indent="-342000">
               <a:lnSpc>
                 <a:spcPct val="90000"/>
               </a:lnSpc>
@@ -4254,7 +4494,7 @@
             </a:endParaRPr>
           </a:p>
           <a:p>
-            <a:pPr marL="342720" indent="-342360" algn="just">
+            <a:pPr marL="342720" indent="-342000" algn="just">
               <a:lnSpc>
                 <a:spcPct val="90000"/>
               </a:lnSpc>
@@ -4262,23 +4502,115 @@
                 <a:tab algn="l" pos="0"/>
               </a:tabLst>
             </a:pPr>
+            <a:endParaRPr b="0" lang="en-US" sz="1800" spc="-1" strike="noStrike">
+              <a:latin typeface="Arial"/>
+            </a:endParaRPr>
+          </a:p>
+        </p:txBody>
+      </p:sp>
+      <p:sp>
+        <p:nvSpPr>
+          <p:cNvPr id="91" name="TextShape 3"/>
+          <p:cNvSpPr txBox="1"/>
+          <p:nvPr/>
+        </p:nvSpPr>
+        <p:spPr>
+          <a:xfrm>
+            <a:off x="457200" y="1371600"/>
+            <a:ext cx="7315200" cy="4343400"/>
+          </a:xfrm>
+          <a:prstGeom prst="rect">
+            <a:avLst/>
+          </a:prstGeom>
+          <a:noFill/>
+          <a:ln w="0">
+            <a:noFill/>
+          </a:ln>
+        </p:spPr>
+        <p:txBody>
+          <a:bodyPr lIns="90000" rIns="90000" tIns="45000" bIns="45000">
+            <a:noAutofit/>
+          </a:bodyPr>
+          <a:p>
             <a:r>
-              <a:rPr b="1" lang="fr-FR" sz="2400" spc="-1" strike="noStrike">
+              <a:rPr b="1" i="1" lang="ru-RU" sz="2400" spc="-1" strike="noStrike">
                 <a:solidFill>
-                  <a:srgbClr val="42679b"/>
+                  <a:srgbClr val="000000"/>
                 </a:solidFill>
                 <a:latin typeface="Arial"/>
+                <a:ea typeface="Microsoft YaHei"/>
               </a:rPr>
-              <a:t>    </a:t>
+              <a:t>Цель работы </a:t>
             </a:r>
             <a:r>
-              <a:rPr b="1" lang="fr-FR" sz="2400" spc="-1" strike="noStrike">
+              <a:rPr b="0" i="1" lang="ru-RU" sz="2400" spc="-1" strike="noStrike">
                 <a:solidFill>
-                  <a:srgbClr val="42679b"/>
+                  <a:srgbClr val="000000"/>
                 </a:solidFill>
                 <a:latin typeface="Arial"/>
+                <a:ea typeface="Microsoft YaHei"/>
               </a:rPr>
-              <a:t>"Lorem ipsum dolor sit amet, consectetur adipisicing elit, sed do eiusmod tempor incididunt ut labore et dolore magna aliqua. Ut enim ad minim veniam, quis nostrud exercitation ullamco laboris nisi ut aliquip ex ea commodo consequat. Duis aute irure dolor in reprehenderit in voluptate velit esse cillum dolore eu fugiat nulla pariatur. Excepteur sint occaecat cupidatat non proident, sunt in culpa qui officia deserunt mollit anim id est laborum."</a:t>
+              <a:t>– проектирование и разработка информационной системы управления аварийно-профилактической группой.</a:t>
+            </a:r>
+            <a:endParaRPr b="0" lang="en-US" sz="2400" spc="-1" strike="noStrike">
+              <a:latin typeface="Arial"/>
+            </a:endParaRPr>
+          </a:p>
+          <a:p>
+            <a:endParaRPr b="0" lang="en-US" sz="2400" spc="-1" strike="noStrike">
+              <a:latin typeface="Arial"/>
+            </a:endParaRPr>
+          </a:p>
+          <a:p>
+            <a:r>
+              <a:rPr b="1" i="1" lang="ru-RU" sz="2400" spc="-1" strike="noStrike">
+                <a:solidFill>
+                  <a:srgbClr val="000000"/>
+                </a:solidFill>
+                <a:latin typeface="Arial"/>
+                <a:ea typeface="Microsoft YaHei"/>
+              </a:rPr>
+              <a:t>Объект исследования</a:t>
+            </a:r>
+            <a:r>
+              <a:rPr b="0" i="1" lang="ru-RU" sz="2400" spc="-1" strike="noStrike">
+                <a:solidFill>
+                  <a:srgbClr val="000000"/>
+                </a:solidFill>
+                <a:latin typeface="Arial"/>
+                <a:ea typeface="Microsoft YaHei"/>
+              </a:rPr>
+              <a:t> – информационная система управления аварийно-профилактической группой.</a:t>
+            </a:r>
+            <a:endParaRPr b="0" lang="en-US" sz="2400" spc="-1" strike="noStrike">
+              <a:latin typeface="Arial"/>
+            </a:endParaRPr>
+          </a:p>
+          <a:p>
+            <a:endParaRPr b="0" lang="en-US" sz="2400" spc="-1" strike="noStrike">
+              <a:latin typeface="Arial"/>
+            </a:endParaRPr>
+          </a:p>
+          <a:p>
+            <a:r>
+              <a:rPr b="1" i="1" lang="ru-RU" sz="2400" spc="-1" strike="noStrike">
+                <a:solidFill>
+                  <a:srgbClr val="000000"/>
+                </a:solidFill>
+                <a:latin typeface="Arial"/>
+                <a:ea typeface="Microsoft YaHei"/>
+              </a:rPr>
+              <a:t>Предмет исследования</a:t>
+            </a:r>
+            <a:r>
+              <a:rPr b="0" i="1" lang="ru-RU" sz="2400" spc="-1" strike="noStrike">
+                <a:solidFill>
+                  <a:srgbClr val="000000"/>
+                </a:solidFill>
+                <a:latin typeface="Arial"/>
+                <a:ea typeface="Microsoft YaHei"/>
+              </a:rPr>
+              <a:t> – применение современных информационных технологий для создания информационной системы управления аварийно-профилактической группой.</a:t>
             </a:r>
             <a:endParaRPr b="0" lang="en-US" sz="2400" spc="-1" strike="noStrike">
               <a:latin typeface="Arial"/>

--- a/docs/myPresentation.pptx
+++ b/docs/myPresentation.pptx
@@ -9,6 +9,12 @@
     <p:sldId id="256" r:id="rId4"/>
     <p:sldId id="257" r:id="rId5"/>
     <p:sldId id="258" r:id="rId6"/>
+    <p:sldId id="259" r:id="rId7"/>
+    <p:sldId id="260" r:id="rId8"/>
+    <p:sldId id="261" r:id="rId9"/>
+    <p:sldId id="262" r:id="rId10"/>
+    <p:sldId id="263" r:id="rId11"/>
+    <p:sldId id="264" r:id="rId12"/>
   </p:sldIdLst>
   <p:sldSz cx="9144000" cy="6858000"/>
   <p:notesSz cx="7559675" cy="10691812"/>
@@ -2764,7 +2770,7 @@
         <p:spPr>
           <a:xfrm>
             <a:off x="0" y="6324480"/>
-            <a:ext cx="8732160" cy="323280"/>
+            <a:ext cx="8731800" cy="322920"/>
           </a:xfrm>
           <a:prstGeom prst="rect">
             <a:avLst/>
@@ -2788,7 +2794,7 @@
         <p:spPr>
           <a:xfrm>
             <a:off x="1941480" y="1609560"/>
-            <a:ext cx="7201800" cy="4638240"/>
+            <a:ext cx="7201440" cy="4637880"/>
           </a:xfrm>
           <a:prstGeom prst="rect">
             <a:avLst/>
@@ -2807,7 +2813,7 @@
         <p:spPr>
           <a:xfrm>
             <a:off x="457200" y="914400"/>
-            <a:ext cx="8686080" cy="227880"/>
+            <a:ext cx="8685720" cy="227520"/>
           </a:xfrm>
           <a:custGeom>
             <a:avLst/>
@@ -2867,7 +2873,7 @@
         <p:spPr>
           <a:xfrm>
             <a:off x="8190000" y="6415200"/>
-            <a:ext cx="1160640" cy="367560"/>
+            <a:ext cx="1160280" cy="367560"/>
           </a:xfrm>
           <a:custGeom>
             <a:avLst/>
@@ -2930,7 +2936,7 @@
                 <a:tab algn="l" pos="10058400"/>
               </a:tabLst>
             </a:pPr>
-            <a:fld id="{38AC8079-1D18-40A9-B95B-ACB03DF7BEB4}" type="slidenum">
+            <a:fld id="{32BBE912-B532-41B1-9856-8CEC10CDF3AA}" type="slidenum">
               <a:rPr b="1" lang="en-US" sz="1800" spc="-1" strike="noStrike">
                 <a:solidFill>
                   <a:srgbClr val="42679b"/>
@@ -2938,7 +2944,7 @@
                 <a:latin typeface="Arial"/>
                 <a:ea typeface="DejaVu Sans"/>
               </a:rPr>
-              <a:t>3</a:t>
+              <a:t>&lt;номер&gt;</a:t>
             </a:fld>
             <a:endParaRPr b="0" lang="en-US" sz="1800" spc="-1" strike="noStrike">
               <a:latin typeface="Arial"/>
@@ -2958,8 +2964,8 @@
         </p:nvSpPr>
         <p:spPr>
           <a:xfrm>
-            <a:off x="457200" y="-161280"/>
-            <a:ext cx="8228880" cy="1433880"/>
+            <a:off x="457200" y="273600"/>
+            <a:ext cx="8229240" cy="1144800"/>
           </a:xfrm>
           <a:prstGeom prst="rect">
             <a:avLst/>
@@ -2972,12 +2978,12 @@
           <a:p>
             <a:pPr algn="ctr"/>
             <a:r>
-              <a:rPr b="0" lang="en-US" sz="1800" spc="-1" strike="noStrike">
+              <a:rPr b="0" lang="en-US" sz="4400" spc="-1" strike="noStrike">
                 <a:latin typeface="Arial"/>
               </a:rPr>
               <a:t>Для правки текста заглавия щёлкните мышью</a:t>
             </a:r>
-            <a:endParaRPr b="0" lang="en-US" sz="1800" spc="-1" strike="noStrike">
+            <a:endParaRPr b="0" lang="en-US" sz="4400" spc="-1" strike="noStrike">
               <a:latin typeface="Arial"/>
             </a:endParaRPr>
           </a:p>
@@ -2995,8 +3001,8 @@
         </p:nvSpPr>
         <p:spPr>
           <a:xfrm>
-            <a:off x="457200" y="1219320"/>
-            <a:ext cx="8228880" cy="4906080"/>
+            <a:off x="457200" y="1604520"/>
+            <a:ext cx="8229240" cy="3977280"/>
           </a:xfrm>
           <a:prstGeom prst="rect">
             <a:avLst/>
@@ -3007,7 +3013,7 @@
             <a:normAutofit/>
           </a:bodyPr>
           <a:p>
-            <a:pPr marL="432000" indent="-324000" algn="ctr">
+            <a:pPr marL="432000" indent="-324000">
               <a:spcBef>
                 <a:spcPts val="1417"/>
               </a:spcBef>
@@ -3019,17 +3025,17 @@
               <a:buChar char=""/>
             </a:pPr>
             <a:r>
-              <a:rPr b="0" lang="en-US" sz="1800" spc="-1" strike="noStrike">
+              <a:rPr b="0" lang="en-US" sz="3200" spc="-1" strike="noStrike">
                 <a:latin typeface="Arial"/>
               </a:rPr>
               <a:t>Для правки структуры щёлкните мышью</a:t>
             </a:r>
-            <a:endParaRPr b="0" lang="en-US" sz="1800" spc="-1" strike="noStrike">
-              <a:latin typeface="Arial"/>
-            </a:endParaRPr>
-          </a:p>
-          <a:p>
-            <a:pPr lvl="1" marL="864000" indent="-324000" algn="ctr">
+            <a:endParaRPr b="0" lang="en-US" sz="3200" spc="-1" strike="noStrike">
+              <a:latin typeface="Arial"/>
+            </a:endParaRPr>
+          </a:p>
+          <a:p>
+            <a:pPr lvl="1" marL="864000" indent="-324000">
               <a:spcBef>
                 <a:spcPts val="1134"/>
               </a:spcBef>
@@ -3041,17 +3047,17 @@
               <a:buChar char=""/>
             </a:pPr>
             <a:r>
-              <a:rPr b="0" lang="en-US" sz="1800" spc="-1" strike="noStrike">
+              <a:rPr b="0" lang="en-US" sz="2800" spc="-1" strike="noStrike">
                 <a:latin typeface="Arial"/>
               </a:rPr>
               <a:t>Второй уровень структуры</a:t>
             </a:r>
-            <a:endParaRPr b="0" lang="en-US" sz="1800" spc="-1" strike="noStrike">
-              <a:latin typeface="Arial"/>
-            </a:endParaRPr>
-          </a:p>
-          <a:p>
-            <a:pPr lvl="2" marL="1296000" indent="-288000" algn="ctr">
+            <a:endParaRPr b="0" lang="en-US" sz="2800" spc="-1" strike="noStrike">
+              <a:latin typeface="Arial"/>
+            </a:endParaRPr>
+          </a:p>
+          <a:p>
+            <a:pPr lvl="2" marL="1296000" indent="-288000">
               <a:spcBef>
                 <a:spcPts val="850"/>
               </a:spcBef>
@@ -3063,17 +3069,17 @@
               <a:buChar char=""/>
             </a:pPr>
             <a:r>
-              <a:rPr b="0" lang="en-US" sz="1800" spc="-1" strike="noStrike">
+              <a:rPr b="0" lang="en-US" sz="2400" spc="-1" strike="noStrike">
                 <a:latin typeface="Arial"/>
               </a:rPr>
               <a:t>Третий уровень структуры</a:t>
             </a:r>
-            <a:endParaRPr b="0" lang="en-US" sz="1800" spc="-1" strike="noStrike">
-              <a:latin typeface="Arial"/>
-            </a:endParaRPr>
-          </a:p>
-          <a:p>
-            <a:pPr lvl="3" marL="1728000" indent="-216000" algn="ctr">
+            <a:endParaRPr b="0" lang="en-US" sz="2400" spc="-1" strike="noStrike">
+              <a:latin typeface="Arial"/>
+            </a:endParaRPr>
+          </a:p>
+          <a:p>
+            <a:pPr lvl="3" marL="1728000" indent="-216000">
               <a:spcBef>
                 <a:spcPts val="567"/>
               </a:spcBef>
@@ -3085,17 +3091,17 @@
               <a:buChar char=""/>
             </a:pPr>
             <a:r>
-              <a:rPr b="0" lang="en-US" sz="1800" spc="-1" strike="noStrike">
+              <a:rPr b="0" lang="en-US" sz="2000" spc="-1" strike="noStrike">
                 <a:latin typeface="Arial"/>
               </a:rPr>
               <a:t>Четвёртый уровень структуры</a:t>
             </a:r>
-            <a:endParaRPr b="0" lang="en-US" sz="1800" spc="-1" strike="noStrike">
-              <a:latin typeface="Arial"/>
-            </a:endParaRPr>
-          </a:p>
-          <a:p>
-            <a:pPr lvl="4" marL="2160000" indent="-216000" algn="ctr">
+            <a:endParaRPr b="0" lang="en-US" sz="2000" spc="-1" strike="noStrike">
+              <a:latin typeface="Arial"/>
+            </a:endParaRPr>
+          </a:p>
+          <a:p>
+            <a:pPr lvl="4" marL="2160000" indent="-216000">
               <a:spcBef>
                 <a:spcPts val="283"/>
               </a:spcBef>
@@ -3107,17 +3113,17 @@
               <a:buChar char=""/>
             </a:pPr>
             <a:r>
-              <a:rPr b="0" lang="en-US" sz="1800" spc="-1" strike="noStrike">
+              <a:rPr b="0" lang="en-US" sz="2000" spc="-1" strike="noStrike">
                 <a:latin typeface="Arial"/>
               </a:rPr>
               <a:t>Пятый уровень структуры</a:t>
             </a:r>
-            <a:endParaRPr b="0" lang="en-US" sz="1800" spc="-1" strike="noStrike">
-              <a:latin typeface="Arial"/>
-            </a:endParaRPr>
-          </a:p>
-          <a:p>
-            <a:pPr lvl="5" marL="2592000" indent="-216000" algn="ctr">
+            <a:endParaRPr b="0" lang="en-US" sz="2000" spc="-1" strike="noStrike">
+              <a:latin typeface="Arial"/>
+            </a:endParaRPr>
+          </a:p>
+          <a:p>
+            <a:pPr lvl="5" marL="2592000" indent="-216000">
               <a:spcBef>
                 <a:spcPts val="283"/>
               </a:spcBef>
@@ -3129,17 +3135,17 @@
               <a:buChar char=""/>
             </a:pPr>
             <a:r>
-              <a:rPr b="0" lang="en-US" sz="1800" spc="-1" strike="noStrike">
+              <a:rPr b="0" lang="en-US" sz="2000" spc="-1" strike="noStrike">
                 <a:latin typeface="Arial"/>
               </a:rPr>
               <a:t>Шестой уровень структуры</a:t>
             </a:r>
-            <a:endParaRPr b="0" lang="en-US" sz="1800" spc="-1" strike="noStrike">
-              <a:latin typeface="Arial"/>
-            </a:endParaRPr>
-          </a:p>
-          <a:p>
-            <a:pPr lvl="6" marL="3024000" indent="-216000" algn="ctr">
+            <a:endParaRPr b="0" lang="en-US" sz="2000" spc="-1" strike="noStrike">
+              <a:latin typeface="Arial"/>
+            </a:endParaRPr>
+          </a:p>
+          <a:p>
+            <a:pPr lvl="6" marL="3024000" indent="-216000">
               <a:spcBef>
                 <a:spcPts val="283"/>
               </a:spcBef>
@@ -3151,12 +3157,12 @@
               <a:buChar char=""/>
             </a:pPr>
             <a:r>
-              <a:rPr b="0" lang="en-US" sz="1800" spc="-1" strike="noStrike">
+              <a:rPr b="0" lang="en-US" sz="2000" spc="-1" strike="noStrike">
                 <a:latin typeface="Arial"/>
               </a:rPr>
               <a:t>Седьмой уровень структуры</a:t>
             </a:r>
-            <a:endParaRPr b="0" lang="en-US" sz="1800" spc="-1" strike="noStrike">
+            <a:endParaRPr b="0" lang="en-US" sz="2000" spc="-1" strike="noStrike">
               <a:latin typeface="Arial"/>
             </a:endParaRPr>
           </a:p>
@@ -3219,7 +3225,7 @@
         <p:spPr>
           <a:xfrm>
             <a:off x="0" y="6324480"/>
-            <a:ext cx="8732160" cy="323280"/>
+            <a:ext cx="8731800" cy="322920"/>
           </a:xfrm>
           <a:prstGeom prst="rect">
             <a:avLst/>
@@ -3243,7 +3249,7 @@
         <p:spPr>
           <a:xfrm>
             <a:off x="1941480" y="1609560"/>
-            <a:ext cx="7201800" cy="4638240"/>
+            <a:ext cx="7201440" cy="4637880"/>
           </a:xfrm>
           <a:prstGeom prst="rect">
             <a:avLst/>
@@ -3262,7 +3268,7 @@
         <p:spPr>
           <a:xfrm>
             <a:off x="457200" y="914400"/>
-            <a:ext cx="8686080" cy="227880"/>
+            <a:ext cx="8685720" cy="227520"/>
           </a:xfrm>
           <a:custGeom>
             <a:avLst/>
@@ -3322,7 +3328,7 @@
         <p:spPr>
           <a:xfrm>
             <a:off x="8190000" y="6415200"/>
-            <a:ext cx="1160640" cy="367560"/>
+            <a:ext cx="1160280" cy="367560"/>
           </a:xfrm>
           <a:custGeom>
             <a:avLst/>
@@ -3385,7 +3391,7 @@
                 <a:tab algn="l" pos="10058400"/>
               </a:tabLst>
             </a:pPr>
-            <a:fld id="{EF91C231-EEA1-4F3F-883F-A04801B2169A}" type="slidenum">
+            <a:fld id="{1793905F-C237-4CA1-BAAB-FA4C4595C90A}" type="slidenum">
               <a:rPr b="1" lang="en-US" sz="1800" spc="-1" strike="noStrike">
                 <a:solidFill>
                   <a:srgbClr val="42679b"/>
@@ -3670,7 +3676,7 @@
         <p:spPr>
           <a:xfrm>
             <a:off x="461880" y="1143000"/>
-            <a:ext cx="8152920" cy="4421880"/>
+            <a:ext cx="8152560" cy="4482720"/>
           </a:xfrm>
           <a:custGeom>
             <a:avLst/>
@@ -3743,7 +3749,7 @@
               </a:rPr>
               <a:t>ДИПЛОМНАЯ РАБОТА</a:t>
             </a:r>
-            <a:endParaRPr b="0" lang="en-US" sz="4000" spc="-1" strike="noStrike">
+            <a:endParaRPr b="0" lang="ru-RU" sz="4000" spc="-1" strike="noStrike">
               <a:latin typeface="Arial"/>
             </a:endParaRPr>
           </a:p>
@@ -3767,7 +3773,7 @@
                 <a:tab algn="l" pos="10058400"/>
               </a:tabLst>
             </a:pPr>
-            <a:endParaRPr b="0" lang="en-US" sz="4000" spc="-1" strike="noStrike">
+            <a:endParaRPr b="0" lang="ru-RU" sz="4000" spc="-1" strike="noStrike">
               <a:latin typeface="Arial"/>
             </a:endParaRPr>
           </a:p>
@@ -3791,7 +3797,7 @@
                 <a:tab algn="l" pos="10058400"/>
               </a:tabLst>
             </a:pPr>
-            <a:endParaRPr b="0" lang="en-US" sz="4000" spc="-1" strike="noStrike">
+            <a:endParaRPr b="0" lang="ru-RU" sz="4000" spc="-1" strike="noStrike">
               <a:latin typeface="Arial"/>
             </a:endParaRPr>
           </a:p>
@@ -3815,7 +3821,7 @@
                 <a:tab algn="l" pos="10058400"/>
               </a:tabLst>
             </a:pPr>
-            <a:endParaRPr b="0" lang="en-US" sz="4000" spc="-1" strike="noStrike">
+            <a:endParaRPr b="0" lang="ru-RU" sz="4000" spc="-1" strike="noStrike">
               <a:latin typeface="Arial"/>
             </a:endParaRPr>
           </a:p>
@@ -3849,7 +3855,7 @@
               </a:rPr>
               <a:t>«Разработка информационной системы</a:t>
             </a:r>
-            <a:endParaRPr b="0" lang="en-US" sz="2400" spc="-1" strike="noStrike">
+            <a:endParaRPr b="0" lang="ru-RU" sz="2400" spc="-1" strike="noStrike">
               <a:latin typeface="Arial"/>
             </a:endParaRPr>
           </a:p>
@@ -3883,7 +3889,7 @@
               </a:rPr>
               <a:t>управления аварийно-профилактической группой»</a:t>
             </a:r>
-            <a:endParaRPr b="0" lang="en-US" sz="2400" spc="-1" strike="noStrike">
+            <a:endParaRPr b="0" lang="ru-RU" sz="2400" spc="-1" strike="noStrike">
               <a:latin typeface="Arial"/>
             </a:endParaRPr>
           </a:p>
@@ -3907,7 +3913,7 @@
                 <a:tab algn="l" pos="10058400"/>
               </a:tabLst>
             </a:pPr>
-            <a:endParaRPr b="0" lang="en-US" sz="2400" spc="-1" strike="noStrike">
+            <a:endParaRPr b="0" lang="ru-RU" sz="2400" spc="-1" strike="noStrike">
               <a:latin typeface="Arial"/>
             </a:endParaRPr>
           </a:p>
@@ -3931,7 +3937,7 @@
                 <a:tab algn="l" pos="10058400"/>
               </a:tabLst>
             </a:pPr>
-            <a:endParaRPr b="0" lang="en-US" sz="2400" spc="-1" strike="noStrike">
+            <a:endParaRPr b="0" lang="ru-RU" sz="2400" spc="-1" strike="noStrike">
               <a:latin typeface="Arial"/>
             </a:endParaRPr>
           </a:p>
@@ -4005,7 +4011,7 @@
               </a:rPr>
               <a:t>Студент группы ИС-17</a:t>
             </a:r>
-            <a:endParaRPr b="0" lang="en-US" sz="2000" spc="-1" strike="noStrike">
+            <a:endParaRPr b="0" lang="ru-RU" sz="2000" spc="-1" strike="noStrike">
               <a:latin typeface="Arial"/>
             </a:endParaRPr>
           </a:p>
@@ -4079,7 +4085,7 @@
               </a:rPr>
               <a:t>Прядкин Д.Н.</a:t>
             </a:r>
-            <a:endParaRPr b="0" lang="en-US" sz="2000" spc="-1" strike="noStrike">
+            <a:endParaRPr b="0" lang="ru-RU" sz="2000" spc="-1" strike="noStrike">
               <a:latin typeface="Arial"/>
             </a:endParaRPr>
           </a:p>
@@ -4094,7 +4100,7 @@
         <p:spPr>
           <a:xfrm>
             <a:off x="8305920" y="6477120"/>
-            <a:ext cx="532440" cy="227880"/>
+            <a:ext cx="532080" cy="227520"/>
           </a:xfrm>
           <a:prstGeom prst="rect">
             <a:avLst/>
@@ -4159,7 +4165,7 @@
         <p:spPr>
           <a:xfrm>
             <a:off x="457200" y="274320"/>
-            <a:ext cx="8228880" cy="562680"/>
+            <a:ext cx="8228520" cy="562320"/>
           </a:xfrm>
           <a:prstGeom prst="rect">
             <a:avLst/>
@@ -4185,7 +4191,7 @@
         <p:spPr>
           <a:xfrm>
             <a:off x="228600" y="1219320"/>
-            <a:ext cx="6933600" cy="4906080"/>
+            <a:ext cx="6933240" cy="4905720"/>
           </a:xfrm>
           <a:prstGeom prst="rect">
             <a:avLst/>
@@ -4206,7 +4212,7 @@
             <a:normAutofit/>
           </a:bodyPr>
           <a:p>
-            <a:pPr marL="342720" indent="-342000">
+            <a:pPr marL="342720" indent="-341640">
               <a:lnSpc>
                 <a:spcPct val="90000"/>
               </a:lnSpc>
@@ -4217,12 +4223,12 @@
                 <a:tab algn="l" pos="0"/>
               </a:tabLst>
             </a:pPr>
-            <a:endParaRPr b="0" lang="en-US" sz="1800" spc="-1" strike="noStrike">
-              <a:latin typeface="Arial"/>
-            </a:endParaRPr>
-          </a:p>
-          <a:p>
-            <a:pPr marL="342720" indent="-342000" algn="just">
+            <a:endParaRPr b="0" lang="ru-RU" sz="1800" spc="-1" strike="noStrike">
+              <a:latin typeface="Arial"/>
+            </a:endParaRPr>
+          </a:p>
+          <a:p>
+            <a:pPr marL="342720" indent="-341640" algn="just">
               <a:lnSpc>
                 <a:spcPct val="90000"/>
               </a:lnSpc>
@@ -4230,22 +4236,22 @@
                 <a:tab algn="l" pos="0"/>
               </a:tabLst>
             </a:pPr>
-            <a:endParaRPr b="0" lang="en-US" sz="1800" spc="-1" strike="noStrike">
-              <a:latin typeface="Arial"/>
-            </a:endParaRPr>
-          </a:p>
-        </p:txBody>
-      </p:sp>
-      <p:sp>
-        <p:nvSpPr>
-          <p:cNvPr id="88" name="TextShape 3"/>
-          <p:cNvSpPr txBox="1"/>
+            <a:endParaRPr b="0" lang="ru-RU" sz="1800" spc="-1" strike="noStrike">
+              <a:latin typeface="Arial"/>
+            </a:endParaRPr>
+          </a:p>
+        </p:txBody>
+      </p:sp>
+      <p:sp>
+        <p:nvSpPr>
+          <p:cNvPr id="88" name="CustomShape 3"/>
+          <p:cNvSpPr/>
           <p:nvPr/>
         </p:nvSpPr>
         <p:spPr>
           <a:xfrm>
-            <a:off x="457200" y="1371600"/>
-            <a:ext cx="7315200" cy="4343400"/>
+            <a:off x="685800" y="1371600"/>
+            <a:ext cx="7772400" cy="4343040"/>
           </a:xfrm>
           <a:prstGeom prst="rect">
             <a:avLst/>
@@ -4255,11 +4261,22 @@
             <a:noFill/>
           </a:ln>
         </p:spPr>
+        <p:style>
+          <a:lnRef idx="0"/>
+          <a:fillRef idx="0"/>
+          <a:effectRef idx="0"/>
+          <a:fontRef idx="minor"/>
+        </p:style>
         <p:txBody>
           <a:bodyPr lIns="90000" rIns="90000" tIns="45000" bIns="45000">
             <a:noAutofit/>
           </a:bodyPr>
           <a:p>
+            <a:pPr>
+              <a:lnSpc>
+                <a:spcPct val="100000"/>
+              </a:lnSpc>
+            </a:pPr>
             <a:r>
               <a:rPr b="1" i="1" lang="ru-RU" sz="2400" spc="-1" strike="noStrike">
                 <a:solidFill>
@@ -4280,16 +4297,26 @@
               </a:rPr>
               <a:t>– проектирование и разработка информационной системы управления аварийно-профилактической группой.</a:t>
             </a:r>
-            <a:endParaRPr b="0" lang="en-US" sz="2400" spc="-1" strike="noStrike">
-              <a:latin typeface="Arial"/>
-            </a:endParaRPr>
-          </a:p>
-          <a:p>
-            <a:endParaRPr b="0" lang="en-US" sz="2400" spc="-1" strike="noStrike">
-              <a:latin typeface="Arial"/>
-            </a:endParaRPr>
-          </a:p>
-          <a:p>
+            <a:endParaRPr b="0" lang="ru-RU" sz="2400" spc="-1" strike="noStrike">
+              <a:latin typeface="Arial"/>
+            </a:endParaRPr>
+          </a:p>
+          <a:p>
+            <a:pPr>
+              <a:lnSpc>
+                <a:spcPct val="100000"/>
+              </a:lnSpc>
+            </a:pPr>
+            <a:endParaRPr b="0" lang="ru-RU" sz="2400" spc="-1" strike="noStrike">
+              <a:latin typeface="Arial"/>
+            </a:endParaRPr>
+          </a:p>
+          <a:p>
+            <a:pPr>
+              <a:lnSpc>
+                <a:spcPct val="100000"/>
+              </a:lnSpc>
+            </a:pPr>
             <a:r>
               <a:rPr b="1" i="1" lang="ru-RU" sz="2400" spc="-1" strike="noStrike">
                 <a:solidFill>
@@ -4310,16 +4337,26 @@
               </a:rPr>
               <a:t> – информационная система управления аварийно-профилактической группой.</a:t>
             </a:r>
-            <a:endParaRPr b="0" lang="en-US" sz="2400" spc="-1" strike="noStrike">
-              <a:latin typeface="Arial"/>
-            </a:endParaRPr>
-          </a:p>
-          <a:p>
-            <a:endParaRPr b="0" lang="en-US" sz="2400" spc="-1" strike="noStrike">
-              <a:latin typeface="Arial"/>
-            </a:endParaRPr>
-          </a:p>
-          <a:p>
+            <a:endParaRPr b="0" lang="ru-RU" sz="2400" spc="-1" strike="noStrike">
+              <a:latin typeface="Arial"/>
+            </a:endParaRPr>
+          </a:p>
+          <a:p>
+            <a:pPr>
+              <a:lnSpc>
+                <a:spcPct val="100000"/>
+              </a:lnSpc>
+            </a:pPr>
+            <a:endParaRPr b="0" lang="ru-RU" sz="2400" spc="-1" strike="noStrike">
+              <a:latin typeface="Arial"/>
+            </a:endParaRPr>
+          </a:p>
+          <a:p>
+            <a:pPr>
+              <a:lnSpc>
+                <a:spcPct val="100000"/>
+              </a:lnSpc>
+            </a:pPr>
             <a:r>
               <a:rPr b="1" i="1" lang="ru-RU" sz="2400" spc="-1" strike="noStrike">
                 <a:solidFill>
@@ -4340,7 +4377,54 @@
               </a:rPr>
               <a:t> – применение современных информационных технологий для создания информационной системы управления аварийно-профилактической группой.</a:t>
             </a:r>
-            <a:endParaRPr b="0" lang="en-US" sz="2400" spc="-1" strike="noStrike">
+            <a:endParaRPr b="0" lang="ru-RU" sz="2400" spc="-1" strike="noStrike">
+              <a:latin typeface="Arial"/>
+            </a:endParaRPr>
+          </a:p>
+        </p:txBody>
+      </p:sp>
+      <p:sp>
+        <p:nvSpPr>
+          <p:cNvPr id="89" name="CustomShape 4"/>
+          <p:cNvSpPr/>
+          <p:nvPr/>
+        </p:nvSpPr>
+        <p:spPr>
+          <a:xfrm>
+            <a:off x="457200" y="274320"/>
+            <a:ext cx="8228520" cy="562320"/>
+          </a:xfrm>
+          <a:prstGeom prst="rect">
+            <a:avLst/>
+          </a:prstGeom>
+          <a:noFill/>
+          <a:ln w="0">
+            <a:noFill/>
+          </a:ln>
+        </p:spPr>
+        <p:style>
+          <a:lnRef idx="0"/>
+          <a:fillRef idx="0"/>
+          <a:effectRef idx="0"/>
+          <a:fontRef idx="minor"/>
+        </p:style>
+        <p:txBody>
+          <a:bodyPr lIns="90000" rIns="90000" tIns="46800" bIns="46800" anchor="ctr">
+            <a:noAutofit/>
+          </a:bodyPr>
+          <a:p>
+            <a:pPr algn="just"/>
+            <a:r>
+              <a:rPr b="0" lang="ru-RU" sz="3200" spc="-1" strike="noStrike">
+                <a:solidFill>
+                  <a:srgbClr val="42679b"/>
+                </a:solidFill>
+                <a:latin typeface="Arial"/>
+                <a:ea typeface="Calibri"/>
+              </a:rPr>
+              <a:t>Цель, объект и предмет исследования</a:t>
+            </a:r>
+            <a:endParaRPr b="0" lang="ru-RU" sz="3200" spc="-1" strike="noStrike">
               <a:latin typeface="Arial"/>
             </a:endParaRPr>
           </a:p>
@@ -4360,6 +4444,696 @@
 </file>
 
 <file path=ppt/slides/slide3.xml><?xml version="1.0" encoding="utf-8"?>
+<p:sld xmlns:a="http://schemas.openxmlformats.org/drawingml/2006/main" xmlns:p="http://schemas.openxmlformats.org/presentationml/2006/main" xmlns:r="http://schemas.openxmlformats.org/officeDocument/2006/relationships" xmlns:p14="http://schemas.microsoft.com/office/powerpoint/2010/main" xmlns:p15="http://schemas.microsoft.com/office/powerpoint/2012/main" xmlns:mc="http://schemas.openxmlformats.org/markup-compatibility/2006">
+  <p:cSld>
+    <p:spTree>
+      <p:nvGrpSpPr>
+        <p:cNvPr id="1" name=""/>
+        <p:cNvGrpSpPr/>
+        <p:nvPr/>
+      </p:nvGrpSpPr>
+      <p:grpSpPr>
+        <a:xfrm>
+          <a:off x="0" y="0"/>
+          <a:ext cx="0" cy="0"/>
+          <a:chOff x="0" y="0"/>
+          <a:chExt cx="0" cy="0"/>
+        </a:xfrm>
+      </p:grpSpPr>
+      <p:sp>
+        <p:nvSpPr>
+          <p:cNvPr id="90" name="CustomShape 1"/>
+          <p:cNvSpPr/>
+          <p:nvPr/>
+        </p:nvSpPr>
+        <p:spPr>
+          <a:xfrm>
+            <a:off x="457200" y="274320"/>
+            <a:ext cx="8228520" cy="562320"/>
+          </a:xfrm>
+          <a:prstGeom prst="rect">
+            <a:avLst/>
+          </a:prstGeom>
+          <a:noFill/>
+          <a:ln w="0">
+            <a:noFill/>
+          </a:ln>
+        </p:spPr>
+        <p:style>
+          <a:lnRef idx="0"/>
+          <a:fillRef idx="0"/>
+          <a:effectRef idx="0"/>
+          <a:fontRef idx="minor"/>
+        </p:style>
+      </p:sp>
+      <p:sp>
+        <p:nvSpPr>
+          <p:cNvPr id="91" name="CustomShape 2"/>
+          <p:cNvSpPr/>
+          <p:nvPr/>
+        </p:nvSpPr>
+        <p:spPr>
+          <a:xfrm>
+            <a:off x="228600" y="1219320"/>
+            <a:ext cx="6933240" cy="4905720"/>
+          </a:xfrm>
+          <a:prstGeom prst="rect">
+            <a:avLst/>
+          </a:prstGeom>
+          <a:noFill/>
+          <a:ln w="0">
+            <a:noFill/>
+          </a:ln>
+        </p:spPr>
+        <p:style>
+          <a:lnRef idx="0"/>
+          <a:fillRef idx="0"/>
+          <a:effectRef idx="0"/>
+          <a:fontRef idx="minor"/>
+        </p:style>
+        <p:txBody>
+          <a:bodyPr lIns="90000" rIns="90000" tIns="46800" bIns="46800">
+            <a:normAutofit/>
+          </a:bodyPr>
+          <a:p>
+            <a:pPr marL="342720" indent="-341640">
+              <a:lnSpc>
+                <a:spcPct val="90000"/>
+              </a:lnSpc>
+              <a:spcBef>
+                <a:spcPts val="598"/>
+              </a:spcBef>
+              <a:tabLst>
+                <a:tab algn="l" pos="0"/>
+              </a:tabLst>
+            </a:pPr>
+            <a:endParaRPr b="0" lang="ru-RU" sz="1800" spc="-1" strike="noStrike">
+              <a:latin typeface="Arial"/>
+            </a:endParaRPr>
+          </a:p>
+          <a:p>
+            <a:pPr marL="342720" indent="-341640" algn="just">
+              <a:lnSpc>
+                <a:spcPct val="90000"/>
+              </a:lnSpc>
+              <a:tabLst>
+                <a:tab algn="l" pos="0"/>
+              </a:tabLst>
+            </a:pPr>
+            <a:endParaRPr b="0" lang="ru-RU" sz="1800" spc="-1" strike="noStrike">
+              <a:latin typeface="Arial"/>
+            </a:endParaRPr>
+          </a:p>
+        </p:txBody>
+      </p:sp>
+      <p:sp>
+        <p:nvSpPr>
+          <p:cNvPr id="92" name="CustomShape 3"/>
+          <p:cNvSpPr/>
+          <p:nvPr/>
+        </p:nvSpPr>
+        <p:spPr>
+          <a:xfrm>
+            <a:off x="457200" y="1219320"/>
+            <a:ext cx="8229600" cy="4495320"/>
+          </a:xfrm>
+          <a:prstGeom prst="rect">
+            <a:avLst/>
+          </a:prstGeom>
+          <a:noFill/>
+          <a:ln w="0">
+            <a:noFill/>
+          </a:ln>
+        </p:spPr>
+        <p:style>
+          <a:lnRef idx="0"/>
+          <a:fillRef idx="0"/>
+          <a:effectRef idx="0"/>
+          <a:fontRef idx="minor"/>
+        </p:style>
+        <p:txBody>
+          <a:bodyPr lIns="90000" rIns="90000" tIns="45000" bIns="45000">
+            <a:noAutofit/>
+          </a:bodyPr>
+          <a:p>
+            <a:pPr marL="216000" indent="-216000">
+              <a:lnSpc>
+                <a:spcPct val="100000"/>
+              </a:lnSpc>
+              <a:buClr>
+                <a:srgbClr val="000000"/>
+              </a:buClr>
+              <a:buSzPct val="45000"/>
+              <a:buFont typeface="Wingdings" charset="2"/>
+              <a:buChar char=""/>
+              <a:tabLst>
+                <a:tab algn="l" pos="540360"/>
+              </a:tabLst>
+            </a:pPr>
+            <a:r>
+              <a:rPr b="0" i="1" lang="ru-RU" sz="2400" spc="-1" strike="noStrike">
+                <a:solidFill>
+                  <a:srgbClr val="000000"/>
+                </a:solidFill>
+                <a:latin typeface="Arial"/>
+                <a:ea typeface="Microsoft YaHei"/>
+              </a:rPr>
+              <a:t>изучить основные характеристики систем управления работами, определить их задачи и функции;</a:t>
+            </a:r>
+            <a:endParaRPr b="0" lang="ru-RU" sz="2400" spc="-1" strike="noStrike">
+              <a:latin typeface="Arial"/>
+              <a:ea typeface="Microsoft YaHei"/>
+            </a:endParaRPr>
+          </a:p>
+          <a:p>
+            <a:pPr marL="216000" indent="-216000" algn="just">
+              <a:lnSpc>
+                <a:spcPct val="100000"/>
+              </a:lnSpc>
+              <a:buClr>
+                <a:srgbClr val="000000"/>
+              </a:buClr>
+              <a:buSzPct val="45000"/>
+              <a:buFont typeface="Wingdings" charset="2"/>
+              <a:buChar char=""/>
+              <a:tabLst>
+                <a:tab algn="l" pos="540360"/>
+              </a:tabLst>
+            </a:pPr>
+            <a:endParaRPr b="0" lang="ru-RU" sz="2400" spc="-1" strike="noStrike">
+              <a:latin typeface="Arial"/>
+              <a:ea typeface="Microsoft YaHei"/>
+            </a:endParaRPr>
+          </a:p>
+          <a:p>
+            <a:pPr marL="216000" indent="-216000">
+              <a:lnSpc>
+                <a:spcPct val="100000"/>
+              </a:lnSpc>
+              <a:buClr>
+                <a:srgbClr val="000000"/>
+              </a:buClr>
+              <a:buSzPct val="45000"/>
+              <a:buFont typeface="Wingdings" charset="2"/>
+              <a:buChar char=""/>
+              <a:tabLst>
+                <a:tab algn="l" pos="540360"/>
+              </a:tabLst>
+            </a:pPr>
+            <a:r>
+              <a:rPr b="0" i="1" lang="ru-RU" sz="2400" spc="-1" strike="noStrike">
+                <a:solidFill>
+                  <a:srgbClr val="000000"/>
+                </a:solidFill>
+                <a:latin typeface="Arial"/>
+                <a:ea typeface="Microsoft YaHei"/>
+              </a:rPr>
+              <a:t>обозначить аудиторию и предметную область разрабатываемой системы управления аварийно-профилактической группой, функции, которые она будет выполнять; определить информационную составляющую;</a:t>
+            </a:r>
+            <a:endParaRPr b="0" lang="ru-RU" sz="2400" spc="-1" strike="noStrike">
+              <a:latin typeface="Arial"/>
+              <a:ea typeface="Microsoft YaHei"/>
+            </a:endParaRPr>
+          </a:p>
+          <a:p>
+            <a:pPr marL="216000" indent="-216000" algn="just">
+              <a:lnSpc>
+                <a:spcPct val="100000"/>
+              </a:lnSpc>
+              <a:buClr>
+                <a:srgbClr val="000000"/>
+              </a:buClr>
+              <a:buSzPct val="45000"/>
+              <a:buFont typeface="Wingdings" charset="2"/>
+              <a:buChar char=""/>
+              <a:tabLst>
+                <a:tab algn="l" pos="540360"/>
+              </a:tabLst>
+            </a:pPr>
+            <a:endParaRPr b="0" lang="ru-RU" sz="2400" spc="-1" strike="noStrike">
+              <a:latin typeface="Arial"/>
+              <a:ea typeface="Microsoft YaHei"/>
+            </a:endParaRPr>
+          </a:p>
+          <a:p>
+            <a:pPr marL="216000" indent="-216000">
+              <a:lnSpc>
+                <a:spcPct val="100000"/>
+              </a:lnSpc>
+              <a:buClr>
+                <a:srgbClr val="000000"/>
+              </a:buClr>
+              <a:buSzPct val="45000"/>
+              <a:buFont typeface="Wingdings" charset="2"/>
+              <a:buChar char=""/>
+            </a:pPr>
+            <a:r>
+              <a:rPr b="0" i="1" lang="ru-RU" sz="2400" spc="-1" strike="noStrike">
+                <a:solidFill>
+                  <a:srgbClr val="000000"/>
+                </a:solidFill>
+                <a:latin typeface="Arial"/>
+                <a:ea typeface="Microsoft YaHei"/>
+              </a:rPr>
+              <a:t>выбрать программные средства и разработать систему управления аварийно-профилактической группой.</a:t>
+            </a:r>
+            <a:endParaRPr b="0" lang="ru-RU" sz="2400" spc="-1" strike="noStrike">
+              <a:latin typeface="Arial"/>
+              <a:ea typeface="Microsoft YaHei"/>
+            </a:endParaRPr>
+          </a:p>
+        </p:txBody>
+      </p:sp>
+      <p:sp>
+        <p:nvSpPr>
+          <p:cNvPr id="93" name="CustomShape 4"/>
+          <p:cNvSpPr/>
+          <p:nvPr/>
+        </p:nvSpPr>
+        <p:spPr>
+          <a:xfrm>
+            <a:off x="457200" y="274320"/>
+            <a:ext cx="8228520" cy="562320"/>
+          </a:xfrm>
+          <a:prstGeom prst="rect">
+            <a:avLst/>
+          </a:prstGeom>
+          <a:noFill/>
+          <a:ln w="0">
+            <a:noFill/>
+          </a:ln>
+        </p:spPr>
+        <p:style>
+          <a:lnRef idx="0"/>
+          <a:fillRef idx="0"/>
+          <a:effectRef idx="0"/>
+          <a:fontRef idx="minor"/>
+        </p:style>
+        <p:txBody>
+          <a:bodyPr lIns="90000" rIns="90000" tIns="46800" bIns="46800" anchor="ctr">
+            <a:noAutofit/>
+          </a:bodyPr>
+          <a:p>
+            <a:pPr algn="ctr"/>
+            <a:r>
+              <a:rPr b="0" lang="ru-RU" sz="3200" spc="-1" strike="noStrike">
+                <a:solidFill>
+                  <a:srgbClr val="42679b"/>
+                </a:solidFill>
+                <a:latin typeface="Arial"/>
+                <a:ea typeface="Calibri"/>
+              </a:rPr>
+              <a:t>Основные задачи</a:t>
+            </a:r>
+            <a:endParaRPr b="0" lang="ru-RU" sz="3200" spc="-1" strike="noStrike">
+              <a:latin typeface="Arial"/>
+            </a:endParaRPr>
+          </a:p>
+        </p:txBody>
+      </p:sp>
+    </p:spTree>
+  </p:cSld>
+  <mc:AlternateContent>
+    <mc:Choice Requires="p14">
+      <p:transition spd="slow" p14:dur="2000"/>
+    </mc:Choice>
+    <mc:Fallback>
+      <p:transition spd="slow"/>
+    </mc:Fallback>
+  </mc:AlternateContent>
+</p:sld>
+</file>
+
+<file path=ppt/slides/slide4.xml><?xml version="1.0" encoding="utf-8"?>
+<p:sld xmlns:a="http://schemas.openxmlformats.org/drawingml/2006/main" xmlns:p="http://schemas.openxmlformats.org/presentationml/2006/main" xmlns:r="http://schemas.openxmlformats.org/officeDocument/2006/relationships" xmlns:p14="http://schemas.microsoft.com/office/powerpoint/2010/main" xmlns:p15="http://schemas.microsoft.com/office/powerpoint/2012/main" xmlns:mc="http://schemas.openxmlformats.org/markup-compatibility/2006">
+  <p:cSld>
+    <p:spTree>
+      <p:nvGrpSpPr>
+        <p:cNvPr id="1" name=""/>
+        <p:cNvGrpSpPr/>
+        <p:nvPr/>
+      </p:nvGrpSpPr>
+      <p:grpSpPr>
+        <a:xfrm>
+          <a:off x="0" y="0"/>
+          <a:ext cx="0" cy="0"/>
+          <a:chOff x="0" y="0"/>
+          <a:chExt cx="0" cy="0"/>
+        </a:xfrm>
+      </p:grpSpPr>
+      <p:sp>
+        <p:nvSpPr>
+          <p:cNvPr id="94" name="CustomShape 1"/>
+          <p:cNvSpPr/>
+          <p:nvPr/>
+        </p:nvSpPr>
+        <p:spPr>
+          <a:xfrm>
+            <a:off x="457200" y="274320"/>
+            <a:ext cx="8228520" cy="562320"/>
+          </a:xfrm>
+          <a:prstGeom prst="rect">
+            <a:avLst/>
+          </a:prstGeom>
+          <a:noFill/>
+          <a:ln w="0">
+            <a:noFill/>
+          </a:ln>
+        </p:spPr>
+        <p:style>
+          <a:lnRef idx="0"/>
+          <a:fillRef idx="0"/>
+          <a:effectRef idx="0"/>
+          <a:fontRef idx="minor"/>
+        </p:style>
+      </p:sp>
+      <p:sp>
+        <p:nvSpPr>
+          <p:cNvPr id="95" name="CustomShape 2"/>
+          <p:cNvSpPr/>
+          <p:nvPr/>
+        </p:nvSpPr>
+        <p:spPr>
+          <a:xfrm>
+            <a:off x="228600" y="1219320"/>
+            <a:ext cx="6933240" cy="4905720"/>
+          </a:xfrm>
+          <a:prstGeom prst="rect">
+            <a:avLst/>
+          </a:prstGeom>
+          <a:noFill/>
+          <a:ln w="0">
+            <a:noFill/>
+          </a:ln>
+        </p:spPr>
+        <p:style>
+          <a:lnRef idx="0"/>
+          <a:fillRef idx="0"/>
+          <a:effectRef idx="0"/>
+          <a:fontRef idx="minor"/>
+        </p:style>
+        <p:txBody>
+          <a:bodyPr lIns="90000" rIns="90000" tIns="46800" bIns="46800">
+            <a:normAutofit/>
+          </a:bodyPr>
+          <a:p>
+            <a:pPr marL="342720" indent="-341640">
+              <a:lnSpc>
+                <a:spcPct val="90000"/>
+              </a:lnSpc>
+              <a:spcBef>
+                <a:spcPts val="598"/>
+              </a:spcBef>
+              <a:tabLst>
+                <a:tab algn="l" pos="0"/>
+              </a:tabLst>
+            </a:pPr>
+            <a:endParaRPr b="0" lang="ru-RU" sz="1800" spc="-1" strike="noStrike">
+              <a:latin typeface="Arial"/>
+            </a:endParaRPr>
+          </a:p>
+          <a:p>
+            <a:pPr marL="342720" indent="-341640" algn="just">
+              <a:lnSpc>
+                <a:spcPct val="90000"/>
+              </a:lnSpc>
+              <a:tabLst>
+                <a:tab algn="l" pos="0"/>
+              </a:tabLst>
+            </a:pPr>
+            <a:endParaRPr b="0" lang="ru-RU" sz="1800" spc="-1" strike="noStrike">
+              <a:latin typeface="Arial"/>
+            </a:endParaRPr>
+          </a:p>
+        </p:txBody>
+      </p:sp>
+      <p:sp>
+        <p:nvSpPr>
+          <p:cNvPr id="96" name="CustomShape 3"/>
+          <p:cNvSpPr/>
+          <p:nvPr/>
+        </p:nvSpPr>
+        <p:spPr>
+          <a:xfrm>
+            <a:off x="457200" y="274320"/>
+            <a:ext cx="8228520" cy="562320"/>
+          </a:xfrm>
+          <a:prstGeom prst="rect">
+            <a:avLst/>
+          </a:prstGeom>
+          <a:noFill/>
+          <a:ln w="0">
+            <a:noFill/>
+          </a:ln>
+        </p:spPr>
+        <p:style>
+          <a:lnRef idx="0"/>
+          <a:fillRef idx="0"/>
+          <a:effectRef idx="0"/>
+          <a:fontRef idx="minor"/>
+        </p:style>
+        <p:txBody>
+          <a:bodyPr lIns="90000" rIns="90000" tIns="46800" bIns="46800" anchor="ctr">
+            <a:noAutofit/>
+          </a:bodyPr>
+          <a:p>
+            <a:pPr algn="ctr"/>
+            <a:r>
+              <a:rPr b="0" lang="ru-RU" sz="3200" spc="-1" strike="noStrike">
+                <a:solidFill>
+                  <a:srgbClr val="42679b"/>
+                </a:solidFill>
+                <a:latin typeface="Arial"/>
+                <a:ea typeface="Calibri"/>
+              </a:rPr>
+              <a:t>Диаграмма прецедентов</a:t>
+            </a:r>
+            <a:endParaRPr b="0" lang="ru-RU" sz="3200" spc="-1" strike="noStrike">
+              <a:latin typeface="Arial"/>
+            </a:endParaRPr>
+          </a:p>
+        </p:txBody>
+      </p:sp>
+      <p:pic>
+        <p:nvPicPr>
+          <p:cNvPr id="97" name="" descr=""/>
+          <p:cNvPicPr/>
+          <p:nvPr/>
+        </p:nvPicPr>
+        <p:blipFill>
+          <a:blip r:embed="rId1"/>
+          <a:stretch/>
+        </p:blipFill>
+        <p:spPr>
+          <a:xfrm>
+            <a:off x="685800" y="1055160"/>
+            <a:ext cx="4114800" cy="5423400"/>
+          </a:xfrm>
+          <a:prstGeom prst="rect">
+            <a:avLst/>
+          </a:prstGeom>
+          <a:ln w="0">
+            <a:noFill/>
+          </a:ln>
+        </p:spPr>
+      </p:pic>
+      <p:pic>
+        <p:nvPicPr>
+          <p:cNvPr id="98" name="" descr=""/>
+          <p:cNvPicPr/>
+          <p:nvPr/>
+        </p:nvPicPr>
+        <p:blipFill>
+          <a:blip r:embed="rId2"/>
+          <a:stretch/>
+        </p:blipFill>
+        <p:spPr>
+          <a:xfrm>
+            <a:off x="5069520" y="1600200"/>
+            <a:ext cx="3357360" cy="3886200"/>
+          </a:xfrm>
+          <a:prstGeom prst="rect">
+            <a:avLst/>
+          </a:prstGeom>
+          <a:ln w="0">
+            <a:noFill/>
+          </a:ln>
+        </p:spPr>
+      </p:pic>
+    </p:spTree>
+  </p:cSld>
+  <mc:AlternateContent>
+    <mc:Choice Requires="p14">
+      <p:transition spd="slow" p14:dur="2000"/>
+    </mc:Choice>
+    <mc:Fallback>
+      <p:transition spd="slow"/>
+    </mc:Fallback>
+  </mc:AlternateContent>
+</p:sld>
+</file>
+
+<file path=ppt/slides/slide5.xml><?xml version="1.0" encoding="utf-8"?>
+<p:sld xmlns:a="http://schemas.openxmlformats.org/drawingml/2006/main" xmlns:p="http://schemas.openxmlformats.org/presentationml/2006/main" xmlns:r="http://schemas.openxmlformats.org/officeDocument/2006/relationships" xmlns:p14="http://schemas.microsoft.com/office/powerpoint/2010/main" xmlns:p15="http://schemas.microsoft.com/office/powerpoint/2012/main" xmlns:mc="http://schemas.openxmlformats.org/markup-compatibility/2006">
+  <p:cSld>
+    <p:spTree>
+      <p:nvGrpSpPr>
+        <p:cNvPr id="1" name=""/>
+        <p:cNvGrpSpPr/>
+        <p:nvPr/>
+      </p:nvGrpSpPr>
+      <p:grpSpPr>
+        <a:xfrm>
+          <a:off x="0" y="0"/>
+          <a:ext cx="0" cy="0"/>
+          <a:chOff x="0" y="0"/>
+          <a:chExt cx="0" cy="0"/>
+        </a:xfrm>
+      </p:grpSpPr>
+      <p:sp>
+        <p:nvSpPr>
+          <p:cNvPr id="99" name="CustomShape 1"/>
+          <p:cNvSpPr/>
+          <p:nvPr/>
+        </p:nvSpPr>
+        <p:spPr>
+          <a:xfrm>
+            <a:off x="457200" y="274320"/>
+            <a:ext cx="8228520" cy="562320"/>
+          </a:xfrm>
+          <a:prstGeom prst="rect">
+            <a:avLst/>
+          </a:prstGeom>
+          <a:noFill/>
+          <a:ln w="0">
+            <a:noFill/>
+          </a:ln>
+        </p:spPr>
+        <p:style>
+          <a:lnRef idx="0"/>
+          <a:fillRef idx="0"/>
+          <a:effectRef idx="0"/>
+          <a:fontRef idx="minor"/>
+        </p:style>
+        <p:txBody>
+          <a:bodyPr lIns="90000" rIns="90000" tIns="46800" bIns="46800" anchor="ctr">
+            <a:noAutofit/>
+          </a:bodyPr>
+          <a:p>
+            <a:pPr algn="just"/>
+            <a:r>
+              <a:rPr b="0" lang="ru-RU" sz="3200" spc="-1" strike="noStrike">
+                <a:solidFill>
+                  <a:srgbClr val="42679b"/>
+                </a:solidFill>
+                <a:latin typeface="Arial"/>
+                <a:ea typeface="Calibri"/>
+              </a:rPr>
+              <a:t>Даталогическая модель базы данных</a:t>
+            </a:r>
+            <a:endParaRPr b="0" lang="ru-RU" sz="3200" spc="-1" strike="noStrike">
+              <a:latin typeface="Arial"/>
+            </a:endParaRPr>
+          </a:p>
+        </p:txBody>
+      </p:sp>
+      <p:sp>
+        <p:nvSpPr>
+          <p:cNvPr id="100" name="CustomShape 2"/>
+          <p:cNvSpPr/>
+          <p:nvPr/>
+        </p:nvSpPr>
+        <p:spPr>
+          <a:xfrm>
+            <a:off x="228600" y="1219320"/>
+            <a:ext cx="6933240" cy="4905720"/>
+          </a:xfrm>
+          <a:prstGeom prst="rect">
+            <a:avLst/>
+          </a:prstGeom>
+          <a:noFill/>
+          <a:ln w="0">
+            <a:noFill/>
+          </a:ln>
+        </p:spPr>
+        <p:style>
+          <a:lnRef idx="0"/>
+          <a:fillRef idx="0"/>
+          <a:effectRef idx="0"/>
+          <a:fontRef idx="minor"/>
+        </p:style>
+        <p:txBody>
+          <a:bodyPr lIns="90000" rIns="90000" tIns="46800" bIns="46800">
+            <a:normAutofit/>
+          </a:bodyPr>
+          <a:p>
+            <a:pPr marL="342720" indent="-341640">
+              <a:lnSpc>
+                <a:spcPct val="90000"/>
+              </a:lnSpc>
+              <a:spcBef>
+                <a:spcPts val="598"/>
+              </a:spcBef>
+              <a:tabLst>
+                <a:tab algn="l" pos="0"/>
+              </a:tabLst>
+            </a:pPr>
+            <a:endParaRPr b="0" lang="ru-RU" sz="1800" spc="-1" strike="noStrike">
+              <a:latin typeface="Arial"/>
+            </a:endParaRPr>
+          </a:p>
+          <a:p>
+            <a:pPr marL="342720" indent="-341640" algn="just">
+              <a:lnSpc>
+                <a:spcPct val="90000"/>
+              </a:lnSpc>
+              <a:tabLst>
+                <a:tab algn="l" pos="0"/>
+              </a:tabLst>
+            </a:pPr>
+            <a:endParaRPr b="0" lang="ru-RU" sz="1800" spc="-1" strike="noStrike">
+              <a:latin typeface="Arial"/>
+            </a:endParaRPr>
+          </a:p>
+        </p:txBody>
+      </p:sp>
+      <p:pic>
+        <p:nvPicPr>
+          <p:cNvPr id="101" name="" descr=""/>
+          <p:cNvPicPr/>
+          <p:nvPr/>
+        </p:nvPicPr>
+        <p:blipFill>
+          <a:blip r:embed="rId1"/>
+          <a:stretch/>
+        </p:blipFill>
+        <p:spPr>
+          <a:xfrm>
+            <a:off x="1371600" y="1061280"/>
+            <a:ext cx="6629400" cy="5339520"/>
+          </a:xfrm>
+          <a:prstGeom prst="rect">
+            <a:avLst/>
+          </a:prstGeom>
+          <a:ln w="0">
+            <a:noFill/>
+          </a:ln>
+        </p:spPr>
+      </p:pic>
+    </p:spTree>
+  </p:cSld>
+  <mc:AlternateContent>
+    <mc:Choice Requires="p14">
+      <p:transition spd="slow" p14:dur="2000"/>
+    </mc:Choice>
+    <mc:Fallback>
+      <p:transition spd="slow"/>
+    </mc:Fallback>
+  </mc:AlternateContent>
+</p:sld>
+</file>
+
+<file path=ppt/slides/slide6.xml><?xml version="1.0" encoding="utf-8"?>
 <p:sld xmlns:a="http://schemas.openxmlformats.org/drawingml/2006/main" xmlns:p="http://schemas.openxmlformats.org/presentationml/2006/main" xmlns:r="http://schemas.openxmlformats.org/officeDocument/2006/relationships" xmlns:p14="http://schemas.microsoft.com/office/powerpoint/2010/main" xmlns:p15="http://schemas.microsoft.com/office/powerpoint/2012/main" xmlns:mc="http://schemas.openxmlformats.org/markup-compatibility/2006">
   <p:cSld>
     <p:bg>
@@ -4385,14 +5159,14 @@
       </p:grpSpPr>
       <p:sp>
         <p:nvSpPr>
-          <p:cNvPr id="89" name="CustomShape 1"/>
+          <p:cNvPr id="102" name="CustomShape 1"/>
           <p:cNvSpPr/>
           <p:nvPr/>
         </p:nvSpPr>
         <p:spPr>
           <a:xfrm>
             <a:off x="457200" y="274320"/>
-            <a:ext cx="8228880" cy="562680"/>
+            <a:ext cx="8228520" cy="562320"/>
           </a:xfrm>
           <a:prstGeom prst="rect">
             <a:avLst/>
@@ -4415,23 +5189,19 @@
           <a:p>
             <a:pPr algn="ctr">
               <a:lnSpc>
-                <a:spcPct val="100000"/>
+                <a:spcPct val="90000"/>
               </a:lnSpc>
-              <a:tabLst>
-                <a:tab algn="l" pos="0"/>
-                <a:tab algn="l" pos="914400"/>
-                <a:tab algn="l" pos="1828800"/>
-                <a:tab algn="l" pos="2743200"/>
-                <a:tab algn="l" pos="3657600"/>
-                <a:tab algn="l" pos="4572000"/>
-                <a:tab algn="l" pos="5486400"/>
-                <a:tab algn="l" pos="6400800"/>
-                <a:tab algn="l" pos="7315200"/>
-                <a:tab algn="l" pos="8229600"/>
-                <a:tab algn="l" pos="9144000"/>
-                <a:tab algn="l" pos="10058400"/>
-              </a:tabLst>
             </a:pPr>
+            <a:r>
+              <a:rPr b="0" lang="ru-RU" sz="3200" spc="-1" strike="noStrike">
+                <a:solidFill>
+                  <a:srgbClr val="42679b"/>
+                </a:solidFill>
+                <a:latin typeface="Arial"/>
+                <a:ea typeface="Calibri"/>
+              </a:rPr>
+              <a:t>Диаграмма классов </a:t>
+            </a:r>
             <a:r>
               <a:rPr b="0" lang="en-US" sz="3200" spc="-1" strike="noStrike">
                 <a:solidFill>
@@ -4440,7 +5210,27 @@
                 <a:latin typeface="Arial"/>
                 <a:ea typeface="Calibri"/>
               </a:rPr>
-              <a:t>First Page</a:t>
+              <a:t>Dispatcher</a:t>
+            </a:r>
+            <a:r>
+              <a:rPr b="0" lang="ru-RU" sz="3200" spc="-1" strike="noStrike">
+                <a:solidFill>
+                  <a:srgbClr val="42679b"/>
+                </a:solidFill>
+                <a:latin typeface="Arial"/>
+                <a:ea typeface="Calibri"/>
+              </a:rPr>
+              <a:t> и </a:t>
+            </a:r>
+            <a:r>
+              <a:rPr b="0" lang="en-US" sz="3200" spc="-1" strike="noStrike">
+                <a:solidFill>
+                  <a:srgbClr val="42679b"/>
+                </a:solidFill>
+                <a:latin typeface="Arial"/>
+                <a:ea typeface="Calibri"/>
+              </a:rPr>
+              <a:t>Config</a:t>
             </a:r>
             <a:endParaRPr b="0" lang="en-US" sz="3200" spc="-1" strike="noStrike">
               <a:latin typeface="Arial"/>
@@ -4450,14 +5240,14 @@
       </p:sp>
       <p:sp>
         <p:nvSpPr>
-          <p:cNvPr id="90" name="CustomShape 2"/>
+          <p:cNvPr id="103" name="CustomShape 2"/>
           <p:cNvSpPr/>
           <p:nvPr/>
         </p:nvSpPr>
         <p:spPr>
           <a:xfrm>
             <a:off x="228600" y="1219320"/>
-            <a:ext cx="6933600" cy="4906080"/>
+            <a:ext cx="6933240" cy="4905720"/>
           </a:xfrm>
           <a:prstGeom prst="rect">
             <a:avLst/>
@@ -4478,7 +5268,7 @@
             <a:normAutofit/>
           </a:bodyPr>
           <a:p>
-            <a:pPr marL="342720" indent="-342000">
+            <a:pPr marL="342720" indent="-341640">
               <a:lnSpc>
                 <a:spcPct val="90000"/>
               </a:lnSpc>
@@ -4489,12 +5279,12 @@
                 <a:tab algn="l" pos="0"/>
               </a:tabLst>
             </a:pPr>
-            <a:endParaRPr b="0" lang="en-US" sz="1800" spc="-1" strike="noStrike">
-              <a:latin typeface="Arial"/>
-            </a:endParaRPr>
-          </a:p>
-          <a:p>
-            <a:pPr marL="342720" indent="-342000" algn="just">
+            <a:endParaRPr b="0" lang="ru-RU" sz="1800" spc="-1" strike="noStrike">
+              <a:latin typeface="Arial"/>
+            </a:endParaRPr>
+          </a:p>
+          <a:p>
+            <a:pPr marL="342720" indent="-341640" algn="just">
               <a:lnSpc>
                 <a:spcPct val="90000"/>
               </a:lnSpc>
@@ -4502,22 +5292,82 @@
                 <a:tab algn="l" pos="0"/>
               </a:tabLst>
             </a:pPr>
-            <a:endParaRPr b="0" lang="en-US" sz="1800" spc="-1" strike="noStrike">
-              <a:latin typeface="Arial"/>
-            </a:endParaRPr>
-          </a:p>
-        </p:txBody>
-      </p:sp>
-      <p:sp>
-        <p:nvSpPr>
-          <p:cNvPr id="91" name="TextShape 3"/>
-          <p:cNvSpPr txBox="1"/>
+            <a:endParaRPr b="0" lang="ru-RU" sz="1800" spc="-1" strike="noStrike">
+              <a:latin typeface="Arial"/>
+            </a:endParaRPr>
+          </a:p>
+        </p:txBody>
+      </p:sp>
+      <p:pic>
+        <p:nvPicPr>
+          <p:cNvPr id="104" name="" descr=""/>
+          <p:cNvPicPr/>
           <p:nvPr/>
-        </p:nvSpPr>
-        <p:spPr>
-          <a:xfrm>
-            <a:off x="457200" y="1371600"/>
-            <a:ext cx="7315200" cy="4343400"/>
+        </p:nvPicPr>
+        <p:blipFill>
+          <a:blip r:embed="rId1"/>
+          <a:stretch/>
+        </p:blipFill>
+        <p:spPr>
+          <a:xfrm>
+            <a:off x="1600200" y="1838520"/>
+            <a:ext cx="6076440" cy="2962080"/>
+          </a:xfrm>
+          <a:prstGeom prst="rect">
+            <a:avLst/>
+          </a:prstGeom>
+          <a:ln w="0">
+            <a:noFill/>
+          </a:ln>
+        </p:spPr>
+      </p:pic>
+    </p:spTree>
+  </p:cSld>
+  <mc:AlternateContent>
+    <mc:Choice Requires="p14">
+      <p:transition spd="slow" p14:dur="2000"/>
+    </mc:Choice>
+    <mc:Fallback>
+      <p:transition spd="slow"/>
+    </mc:Fallback>
+  </mc:AlternateContent>
+</p:sld>
+</file>
+
+<file path=ppt/slides/slide7.xml><?xml version="1.0" encoding="utf-8"?>
+<p:sld xmlns:a="http://schemas.openxmlformats.org/drawingml/2006/main" xmlns:p="http://schemas.openxmlformats.org/presentationml/2006/main" xmlns:r="http://schemas.openxmlformats.org/officeDocument/2006/relationships" xmlns:p14="http://schemas.microsoft.com/office/powerpoint/2010/main" xmlns:p15="http://schemas.microsoft.com/office/powerpoint/2012/main" xmlns:mc="http://schemas.openxmlformats.org/markup-compatibility/2006">
+  <p:cSld>
+    <p:bg>
+      <p:bgPr>
+        <a:solidFill>
+          <a:srgbClr val="ffffff"/>
+        </a:solidFill>
+      </p:bgPr>
+    </p:bg>
+    <p:spTree>
+      <p:nvGrpSpPr>
+        <p:cNvPr id="1" name=""/>
+        <p:cNvGrpSpPr/>
+        <p:nvPr/>
+      </p:nvGrpSpPr>
+      <p:grpSpPr>
+        <a:xfrm>
+          <a:off x="0" y="0"/>
+          <a:ext cx="0" cy="0"/>
+          <a:chOff x="0" y="0"/>
+          <a:chExt cx="0" cy="0"/>
+        </a:xfrm>
+      </p:grpSpPr>
+      <p:sp>
+        <p:nvSpPr>
+          <p:cNvPr id="105" name="CustomShape 1"/>
+          <p:cNvSpPr/>
+          <p:nvPr/>
+        </p:nvSpPr>
+        <p:spPr>
+          <a:xfrm>
+            <a:off x="457200" y="274320"/>
+            <a:ext cx="8228520" cy="562320"/>
           </a:xfrm>
           <a:prstGeom prst="rect">
             <a:avLst/>
@@ -4527,97 +5377,483 @@
             <a:noFill/>
           </a:ln>
         </p:spPr>
-        <p:txBody>
-          <a:bodyPr lIns="90000" rIns="90000" tIns="45000" bIns="45000">
+        <p:style>
+          <a:lnRef idx="0"/>
+          <a:fillRef idx="0"/>
+          <a:effectRef idx="0"/>
+          <a:fontRef idx="minor"/>
+        </p:style>
+        <p:txBody>
+          <a:bodyPr lIns="90000" rIns="90000" tIns="46800" bIns="46800" anchor="ctr">
             <a:noAutofit/>
           </a:bodyPr>
           <a:p>
+            <a:pPr algn="ctr">
+              <a:lnSpc>
+                <a:spcPct val="90000"/>
+              </a:lnSpc>
+            </a:pPr>
             <a:r>
-              <a:rPr b="1" i="1" lang="ru-RU" sz="2400" spc="-1" strike="noStrike">
+              <a:rPr b="0" lang="ru-RU" sz="3200" spc="-1" strike="noStrike">
                 <a:solidFill>
-                  <a:srgbClr val="000000"/>
+                  <a:srgbClr val="42679b"/>
                 </a:solidFill>
                 <a:latin typeface="Arial"/>
-                <a:ea typeface="Microsoft YaHei"/>
+                <a:ea typeface="Calibri"/>
               </a:rPr>
-              <a:t>Цель работы </a:t>
+              <a:t>Диаграмма классов Model</a:t>
+            </a:r>
+            <a:endParaRPr b="0" lang="en-US" sz="3200" spc="-1" strike="noStrike">
+              <a:latin typeface="Arial"/>
+            </a:endParaRPr>
+          </a:p>
+        </p:txBody>
+      </p:sp>
+      <p:sp>
+        <p:nvSpPr>
+          <p:cNvPr id="106" name="CustomShape 2"/>
+          <p:cNvSpPr/>
+          <p:nvPr/>
+        </p:nvSpPr>
+        <p:spPr>
+          <a:xfrm>
+            <a:off x="228600" y="1219320"/>
+            <a:ext cx="6933240" cy="4905720"/>
+          </a:xfrm>
+          <a:prstGeom prst="rect">
+            <a:avLst/>
+          </a:prstGeom>
+          <a:noFill/>
+          <a:ln w="0">
+            <a:noFill/>
+          </a:ln>
+        </p:spPr>
+        <p:style>
+          <a:lnRef idx="0"/>
+          <a:fillRef idx="0"/>
+          <a:effectRef idx="0"/>
+          <a:fontRef idx="minor"/>
+        </p:style>
+        <p:txBody>
+          <a:bodyPr lIns="90000" rIns="90000" tIns="46800" bIns="46800">
+            <a:normAutofit/>
+          </a:bodyPr>
+          <a:p>
+            <a:pPr marL="342720" indent="-341640">
+              <a:lnSpc>
+                <a:spcPct val="90000"/>
+              </a:lnSpc>
+              <a:spcBef>
+                <a:spcPts val="598"/>
+              </a:spcBef>
+              <a:tabLst>
+                <a:tab algn="l" pos="0"/>
+              </a:tabLst>
+            </a:pPr>
+            <a:endParaRPr b="0" lang="ru-RU" sz="1800" spc="-1" strike="noStrike">
+              <a:latin typeface="Arial"/>
+            </a:endParaRPr>
+          </a:p>
+          <a:p>
+            <a:pPr marL="342720" indent="-341640" algn="just">
+              <a:lnSpc>
+                <a:spcPct val="90000"/>
+              </a:lnSpc>
+              <a:tabLst>
+                <a:tab algn="l" pos="0"/>
+              </a:tabLst>
+            </a:pPr>
+            <a:endParaRPr b="0" lang="ru-RU" sz="1800" spc="-1" strike="noStrike">
+              <a:latin typeface="Arial"/>
+            </a:endParaRPr>
+          </a:p>
+        </p:txBody>
+      </p:sp>
+      <p:pic>
+        <p:nvPicPr>
+          <p:cNvPr id="107" name="" descr=""/>
+          <p:cNvPicPr/>
+          <p:nvPr/>
+        </p:nvPicPr>
+        <p:blipFill>
+          <a:blip r:embed="rId1"/>
+          <a:stretch/>
+        </p:blipFill>
+        <p:spPr>
+          <a:xfrm>
+            <a:off x="1828800" y="836640"/>
+            <a:ext cx="5715000" cy="5715000"/>
+          </a:xfrm>
+          <a:prstGeom prst="rect">
+            <a:avLst/>
+          </a:prstGeom>
+          <a:ln w="0">
+            <a:noFill/>
+          </a:ln>
+        </p:spPr>
+      </p:pic>
+    </p:spTree>
+  </p:cSld>
+  <mc:AlternateContent>
+    <mc:Choice Requires="p14">
+      <p:transition spd="slow" p14:dur="2000"/>
+    </mc:Choice>
+    <mc:Fallback>
+      <p:transition spd="slow"/>
+    </mc:Fallback>
+  </mc:AlternateContent>
+</p:sld>
+</file>
+
+<file path=ppt/slides/slide8.xml><?xml version="1.0" encoding="utf-8"?>
+<p:sld xmlns:a="http://schemas.openxmlformats.org/drawingml/2006/main" xmlns:p="http://schemas.openxmlformats.org/presentationml/2006/main" xmlns:r="http://schemas.openxmlformats.org/officeDocument/2006/relationships" xmlns:p14="http://schemas.microsoft.com/office/powerpoint/2010/main" xmlns:p15="http://schemas.microsoft.com/office/powerpoint/2012/main" xmlns:mc="http://schemas.openxmlformats.org/markup-compatibility/2006">
+  <p:cSld>
+    <p:bg>
+      <p:bgPr>
+        <a:solidFill>
+          <a:srgbClr val="ffffff"/>
+        </a:solidFill>
+      </p:bgPr>
+    </p:bg>
+    <p:spTree>
+      <p:nvGrpSpPr>
+        <p:cNvPr id="1" name=""/>
+        <p:cNvGrpSpPr/>
+        <p:nvPr/>
+      </p:nvGrpSpPr>
+      <p:grpSpPr>
+        <a:xfrm>
+          <a:off x="0" y="0"/>
+          <a:ext cx="0" cy="0"/>
+          <a:chOff x="0" y="0"/>
+          <a:chExt cx="0" cy="0"/>
+        </a:xfrm>
+      </p:grpSpPr>
+      <p:sp>
+        <p:nvSpPr>
+          <p:cNvPr id="108" name="CustomShape 1"/>
+          <p:cNvSpPr/>
+          <p:nvPr/>
+        </p:nvSpPr>
+        <p:spPr>
+          <a:xfrm>
+            <a:off x="457200" y="274320"/>
+            <a:ext cx="8228520" cy="562320"/>
+          </a:xfrm>
+          <a:prstGeom prst="rect">
+            <a:avLst/>
+          </a:prstGeom>
+          <a:noFill/>
+          <a:ln w="0">
+            <a:noFill/>
+          </a:ln>
+        </p:spPr>
+        <p:style>
+          <a:lnRef idx="0"/>
+          <a:fillRef idx="0"/>
+          <a:effectRef idx="0"/>
+          <a:fontRef idx="minor"/>
+        </p:style>
+        <p:txBody>
+          <a:bodyPr lIns="90000" rIns="90000" tIns="46800" bIns="46800" anchor="ctr">
+            <a:noAutofit/>
+          </a:bodyPr>
+          <a:p>
+            <a:pPr algn="ctr">
+              <a:lnSpc>
+                <a:spcPct val="90000"/>
+              </a:lnSpc>
+            </a:pPr>
+            <a:r>
+              <a:rPr b="0" lang="ru-RU" sz="3200" spc="-1" strike="noStrike">
+                <a:solidFill>
+                  <a:srgbClr val="42679b"/>
+                </a:solidFill>
+                <a:latin typeface="Arial"/>
+                <a:ea typeface="Calibri"/>
+              </a:rPr>
+              <a:t>Диаграмма класса </a:t>
             </a:r>
             <a:r>
-              <a:rPr b="0" i="1" lang="ru-RU" sz="2400" spc="-1" strike="noStrike">
+              <a:rPr b="0" lang="ru-RU" sz="3200" spc="-1" strike="noStrike">
                 <a:solidFill>
-                  <a:srgbClr val="000000"/>
+                  <a:srgbClr val="42679b"/>
                 </a:solidFill>
                 <a:latin typeface="Arial"/>
-                <a:ea typeface="Microsoft YaHei"/>
+                <a:ea typeface="Calibri"/>
               </a:rPr>
-              <a:t>– проектирование и разработка информационной системы управления аварийно-профилактической группой.</a:t>
+              <a:t>View</a:t>
             </a:r>
-            <a:endParaRPr b="0" lang="en-US" sz="2400" spc="-1" strike="noStrike">
-              <a:latin typeface="Arial"/>
-            </a:endParaRPr>
-          </a:p>
-          <a:p>
-            <a:endParaRPr b="0" lang="en-US" sz="2400" spc="-1" strike="noStrike">
-              <a:latin typeface="Arial"/>
-            </a:endParaRPr>
-          </a:p>
-          <a:p>
+            <a:endParaRPr b="0" lang="en-US" sz="3200" spc="-1" strike="noStrike">
+              <a:latin typeface="Arial"/>
+            </a:endParaRPr>
+          </a:p>
+        </p:txBody>
+      </p:sp>
+      <p:sp>
+        <p:nvSpPr>
+          <p:cNvPr id="109" name="CustomShape 2"/>
+          <p:cNvSpPr/>
+          <p:nvPr/>
+        </p:nvSpPr>
+        <p:spPr>
+          <a:xfrm>
+            <a:off x="228600" y="1219320"/>
+            <a:ext cx="6933240" cy="4905720"/>
+          </a:xfrm>
+          <a:prstGeom prst="rect">
+            <a:avLst/>
+          </a:prstGeom>
+          <a:noFill/>
+          <a:ln w="0">
+            <a:noFill/>
+          </a:ln>
+        </p:spPr>
+        <p:style>
+          <a:lnRef idx="0"/>
+          <a:fillRef idx="0"/>
+          <a:effectRef idx="0"/>
+          <a:fontRef idx="minor"/>
+        </p:style>
+        <p:txBody>
+          <a:bodyPr lIns="90000" rIns="90000" tIns="46800" bIns="46800">
+            <a:normAutofit/>
+          </a:bodyPr>
+          <a:p>
+            <a:pPr marL="342720" indent="-341640">
+              <a:lnSpc>
+                <a:spcPct val="90000"/>
+              </a:lnSpc>
+              <a:spcBef>
+                <a:spcPts val="598"/>
+              </a:spcBef>
+              <a:tabLst>
+                <a:tab algn="l" pos="0"/>
+              </a:tabLst>
+            </a:pPr>
+            <a:endParaRPr b="0" lang="ru-RU" sz="1800" spc="-1" strike="noStrike">
+              <a:latin typeface="Arial"/>
+            </a:endParaRPr>
+          </a:p>
+          <a:p>
+            <a:pPr marL="342720" indent="-341640" algn="just">
+              <a:lnSpc>
+                <a:spcPct val="90000"/>
+              </a:lnSpc>
+              <a:tabLst>
+                <a:tab algn="l" pos="0"/>
+              </a:tabLst>
+            </a:pPr>
+            <a:endParaRPr b="0" lang="ru-RU" sz="1800" spc="-1" strike="noStrike">
+              <a:latin typeface="Arial"/>
+            </a:endParaRPr>
+          </a:p>
+        </p:txBody>
+      </p:sp>
+      <p:pic>
+        <p:nvPicPr>
+          <p:cNvPr id="110" name="" descr=""/>
+          <p:cNvPicPr/>
+          <p:nvPr/>
+        </p:nvPicPr>
+        <p:blipFill>
+          <a:blip r:embed="rId1"/>
+          <a:stretch/>
+        </p:blipFill>
+        <p:spPr>
+          <a:xfrm>
+            <a:off x="3596040" y="1600200"/>
+            <a:ext cx="2118960" cy="4372560"/>
+          </a:xfrm>
+          <a:prstGeom prst="rect">
+            <a:avLst/>
+          </a:prstGeom>
+          <a:ln w="0">
+            <a:noFill/>
+          </a:ln>
+        </p:spPr>
+      </p:pic>
+    </p:spTree>
+  </p:cSld>
+  <mc:AlternateContent>
+    <mc:Choice Requires="p14">
+      <p:transition spd="slow" p14:dur="2000"/>
+    </mc:Choice>
+    <mc:Fallback>
+      <p:transition spd="slow"/>
+    </mc:Fallback>
+  </mc:AlternateContent>
+</p:sld>
+</file>
+
+<file path=ppt/slides/slide9.xml><?xml version="1.0" encoding="utf-8"?>
+<p:sld xmlns:a="http://schemas.openxmlformats.org/drawingml/2006/main" xmlns:p="http://schemas.openxmlformats.org/presentationml/2006/main" xmlns:r="http://schemas.openxmlformats.org/officeDocument/2006/relationships" xmlns:p14="http://schemas.microsoft.com/office/powerpoint/2010/main" xmlns:p15="http://schemas.microsoft.com/office/powerpoint/2012/main" xmlns:mc="http://schemas.openxmlformats.org/markup-compatibility/2006">
+  <p:cSld>
+    <p:bg>
+      <p:bgPr>
+        <a:solidFill>
+          <a:srgbClr val="ffffff"/>
+        </a:solidFill>
+      </p:bgPr>
+    </p:bg>
+    <p:spTree>
+      <p:nvGrpSpPr>
+        <p:cNvPr id="1" name=""/>
+        <p:cNvGrpSpPr/>
+        <p:nvPr/>
+      </p:nvGrpSpPr>
+      <p:grpSpPr>
+        <a:xfrm>
+          <a:off x="0" y="0"/>
+          <a:ext cx="0" cy="0"/>
+          <a:chOff x="0" y="0"/>
+          <a:chExt cx="0" cy="0"/>
+        </a:xfrm>
+      </p:grpSpPr>
+      <p:sp>
+        <p:nvSpPr>
+          <p:cNvPr id="111" name="CustomShape 1"/>
+          <p:cNvSpPr/>
+          <p:nvPr/>
+        </p:nvSpPr>
+        <p:spPr>
+          <a:xfrm>
+            <a:off x="457200" y="274320"/>
+            <a:ext cx="8228520" cy="562320"/>
+          </a:xfrm>
+          <a:prstGeom prst="rect">
+            <a:avLst/>
+          </a:prstGeom>
+          <a:noFill/>
+          <a:ln w="0">
+            <a:noFill/>
+          </a:ln>
+        </p:spPr>
+        <p:style>
+          <a:lnRef idx="0"/>
+          <a:fillRef idx="0"/>
+          <a:effectRef idx="0"/>
+          <a:fontRef idx="minor"/>
+        </p:style>
+        <p:txBody>
+          <a:bodyPr lIns="90000" rIns="90000" tIns="46800" bIns="46800" anchor="ctr">
+            <a:noAutofit/>
+          </a:bodyPr>
+          <a:p>
+            <a:pPr algn="ctr">
+              <a:lnSpc>
+                <a:spcPct val="90000"/>
+              </a:lnSpc>
+            </a:pPr>
             <a:r>
-              <a:rPr b="1" i="1" lang="ru-RU" sz="2400" spc="-1" strike="noStrike">
+              <a:rPr b="0" lang="ru-RU" sz="3200" spc="-1" strike="noStrike">
                 <a:solidFill>
-                  <a:srgbClr val="000000"/>
+                  <a:srgbClr val="42679b"/>
                 </a:solidFill>
                 <a:latin typeface="Arial"/>
-                <a:ea typeface="Microsoft YaHei"/>
+                <a:ea typeface="Calibri"/>
               </a:rPr>
-              <a:t>Объект исследования</a:t>
+              <a:t>Диаграмма классов </a:t>
             </a:r>
             <a:r>
-              <a:rPr b="0" i="1" lang="ru-RU" sz="2400" spc="-1" strike="noStrike">
+              <a:rPr b="0" lang="en-US" sz="3200" spc="-1" strike="noStrike">
                 <a:solidFill>
-                  <a:srgbClr val="000000"/>
+                  <a:srgbClr val="42679b"/>
                 </a:solidFill>
                 <a:latin typeface="Arial"/>
-                <a:ea typeface="Microsoft YaHei"/>
+                <a:ea typeface="Calibri"/>
               </a:rPr>
-              <a:t> – информационная система управления аварийно-профилактической группой.</a:t>
+              <a:t>Controller</a:t>
             </a:r>
-            <a:endParaRPr b="0" lang="en-US" sz="2400" spc="-1" strike="noStrike">
-              <a:latin typeface="Arial"/>
-            </a:endParaRPr>
-          </a:p>
-          <a:p>
-            <a:endParaRPr b="0" lang="en-US" sz="2400" spc="-1" strike="noStrike">
-              <a:latin typeface="Arial"/>
-            </a:endParaRPr>
-          </a:p>
-          <a:p>
-            <a:r>
-              <a:rPr b="1" i="1" lang="ru-RU" sz="2400" spc="-1" strike="noStrike">
-                <a:solidFill>
-                  <a:srgbClr val="000000"/>
-                </a:solidFill>
-                <a:latin typeface="Arial"/>
-                <a:ea typeface="Microsoft YaHei"/>
-              </a:rPr>
-              <a:t>Предмет исследования</a:t>
-            </a:r>
-            <a:r>
-              <a:rPr b="0" i="1" lang="ru-RU" sz="2400" spc="-1" strike="noStrike">
-                <a:solidFill>
-                  <a:srgbClr val="000000"/>
-                </a:solidFill>
-                <a:latin typeface="Arial"/>
-                <a:ea typeface="Microsoft YaHei"/>
-              </a:rPr>
-              <a:t> – применение современных информационных технологий для создания информационной системы управления аварийно-профилактической группой.</a:t>
-            </a:r>
-            <a:endParaRPr b="0" lang="en-US" sz="2400" spc="-1" strike="noStrike">
-              <a:latin typeface="Arial"/>
-            </a:endParaRPr>
-          </a:p>
-        </p:txBody>
-      </p:sp>
+            <a:endParaRPr b="0" lang="en-US" sz="3200" spc="-1" strike="noStrike">
+              <a:latin typeface="Arial"/>
+            </a:endParaRPr>
+          </a:p>
+        </p:txBody>
+      </p:sp>
+      <p:sp>
+        <p:nvSpPr>
+          <p:cNvPr id="112" name="CustomShape 2"/>
+          <p:cNvSpPr/>
+          <p:nvPr/>
+        </p:nvSpPr>
+        <p:spPr>
+          <a:xfrm>
+            <a:off x="228600" y="1219320"/>
+            <a:ext cx="6933240" cy="4905720"/>
+          </a:xfrm>
+          <a:prstGeom prst="rect">
+            <a:avLst/>
+          </a:prstGeom>
+          <a:noFill/>
+          <a:ln w="0">
+            <a:noFill/>
+          </a:ln>
+        </p:spPr>
+        <p:style>
+          <a:lnRef idx="0"/>
+          <a:fillRef idx="0"/>
+          <a:effectRef idx="0"/>
+          <a:fontRef idx="minor"/>
+        </p:style>
+        <p:txBody>
+          <a:bodyPr lIns="90000" rIns="90000" tIns="46800" bIns="46800">
+            <a:normAutofit/>
+          </a:bodyPr>
+          <a:p>
+            <a:pPr marL="342720" indent="-341640">
+              <a:lnSpc>
+                <a:spcPct val="90000"/>
+              </a:lnSpc>
+              <a:spcBef>
+                <a:spcPts val="598"/>
+              </a:spcBef>
+              <a:tabLst>
+                <a:tab algn="l" pos="0"/>
+              </a:tabLst>
+            </a:pPr>
+            <a:endParaRPr b="0" lang="ru-RU" sz="1800" spc="-1" strike="noStrike">
+              <a:latin typeface="Arial"/>
+            </a:endParaRPr>
+          </a:p>
+          <a:p>
+            <a:pPr marL="342720" indent="-341640" algn="just">
+              <a:lnSpc>
+                <a:spcPct val="90000"/>
+              </a:lnSpc>
+              <a:tabLst>
+                <a:tab algn="l" pos="0"/>
+              </a:tabLst>
+            </a:pPr>
+            <a:endParaRPr b="0" lang="ru-RU" sz="1800" spc="-1" strike="noStrike">
+              <a:latin typeface="Arial"/>
+            </a:endParaRPr>
+          </a:p>
+        </p:txBody>
+      </p:sp>
+      <p:pic>
+        <p:nvPicPr>
+          <p:cNvPr id="113" name="" descr=""/>
+          <p:cNvPicPr/>
+          <p:nvPr/>
+        </p:nvPicPr>
+        <p:blipFill>
+          <a:blip r:embed="rId1"/>
+          <a:stretch/>
+        </p:blipFill>
+        <p:spPr>
+          <a:xfrm>
+            <a:off x="424800" y="1054080"/>
+            <a:ext cx="8294400" cy="5070960"/>
+          </a:xfrm>
+          <a:prstGeom prst="rect">
+            <a:avLst/>
+          </a:prstGeom>
+          <a:ln w="0">
+            <a:noFill/>
+          </a:ln>
+        </p:spPr>
+      </p:pic>
     </p:spTree>
   </p:cSld>
   <mc:AlternateContent>

--- a/docs/myPresentation.pptx
+++ b/docs/myPresentation.pptx
@@ -2770,7 +2770,7 @@
         <p:spPr>
           <a:xfrm>
             <a:off x="0" y="6324480"/>
-            <a:ext cx="8731800" cy="322920"/>
+            <a:ext cx="8731440" cy="322560"/>
           </a:xfrm>
           <a:prstGeom prst="rect">
             <a:avLst/>
@@ -2794,7 +2794,7 @@
         <p:spPr>
           <a:xfrm>
             <a:off x="1941480" y="1609560"/>
-            <a:ext cx="7201440" cy="4637880"/>
+            <a:ext cx="7201080" cy="4637520"/>
           </a:xfrm>
           <a:prstGeom prst="rect">
             <a:avLst/>
@@ -2813,7 +2813,7 @@
         <p:spPr>
           <a:xfrm>
             <a:off x="457200" y="914400"/>
-            <a:ext cx="8685720" cy="227520"/>
+            <a:ext cx="8685360" cy="227160"/>
           </a:xfrm>
           <a:custGeom>
             <a:avLst/>
@@ -2873,7 +2873,7 @@
         <p:spPr>
           <a:xfrm>
             <a:off x="8190000" y="6415200"/>
-            <a:ext cx="1160280" cy="367560"/>
+            <a:ext cx="1159920" cy="367560"/>
           </a:xfrm>
           <a:custGeom>
             <a:avLst/>
@@ -2936,7 +2936,7 @@
                 <a:tab algn="l" pos="10058400"/>
               </a:tabLst>
             </a:pPr>
-            <a:fld id="{32BBE912-B532-41B1-9856-8CEC10CDF3AA}" type="slidenum">
+            <a:fld id="{2CCCA7F2-C620-47D3-9183-16693B9B9263}" type="slidenum">
               <a:rPr b="1" lang="en-US" sz="1800" spc="-1" strike="noStrike">
                 <a:solidFill>
                   <a:srgbClr val="42679b"/>
@@ -3015,7 +3015,7 @@
           <a:p>
             <a:pPr marL="432000" indent="-324000">
               <a:spcBef>
-                <a:spcPts val="1417"/>
+                <a:spcPts val="1414"/>
               </a:spcBef>
               <a:buClr>
                 <a:srgbClr val="000000"/>
@@ -3225,7 +3225,7 @@
         <p:spPr>
           <a:xfrm>
             <a:off x="0" y="6324480"/>
-            <a:ext cx="8731800" cy="322920"/>
+            <a:ext cx="8731440" cy="322560"/>
           </a:xfrm>
           <a:prstGeom prst="rect">
             <a:avLst/>
@@ -3249,7 +3249,7 @@
         <p:spPr>
           <a:xfrm>
             <a:off x="1941480" y="1609560"/>
-            <a:ext cx="7201440" cy="4637880"/>
+            <a:ext cx="7201080" cy="4637520"/>
           </a:xfrm>
           <a:prstGeom prst="rect">
             <a:avLst/>
@@ -3268,7 +3268,7 @@
         <p:spPr>
           <a:xfrm>
             <a:off x="457200" y="914400"/>
-            <a:ext cx="8685720" cy="227520"/>
+            <a:ext cx="8685360" cy="227160"/>
           </a:xfrm>
           <a:custGeom>
             <a:avLst/>
@@ -3328,7 +3328,7 @@
         <p:spPr>
           <a:xfrm>
             <a:off x="8190000" y="6415200"/>
-            <a:ext cx="1160280" cy="367560"/>
+            <a:ext cx="1159920" cy="367560"/>
           </a:xfrm>
           <a:custGeom>
             <a:avLst/>
@@ -3391,7 +3391,7 @@
                 <a:tab algn="l" pos="10058400"/>
               </a:tabLst>
             </a:pPr>
-            <a:fld id="{1793905F-C237-4CA1-BAAB-FA4C4595C90A}" type="slidenum">
+            <a:fld id="{1E59A092-3206-4D4D-BCDD-D2AF6D480E15}" type="slidenum">
               <a:rPr b="1" lang="en-US" sz="1800" spc="-1" strike="noStrike">
                 <a:solidFill>
                   <a:srgbClr val="42679b"/>
@@ -3470,7 +3470,7 @@
           <a:p>
             <a:pPr marL="432000" indent="-324000">
               <a:spcBef>
-                <a:spcPts val="1417"/>
+                <a:spcPts val="1414"/>
               </a:spcBef>
               <a:buClr>
                 <a:srgbClr val="000000"/>
@@ -3676,7 +3676,7 @@
         <p:spPr>
           <a:xfrm>
             <a:off x="461880" y="1143000"/>
-            <a:ext cx="8152560" cy="4482720"/>
+            <a:ext cx="8152200" cy="4604040"/>
           </a:xfrm>
           <a:custGeom>
             <a:avLst/>
@@ -3749,7 +3749,7 @@
               </a:rPr>
               <a:t>ДИПЛОМНАЯ РАБОТА</a:t>
             </a:r>
-            <a:endParaRPr b="0" lang="ru-RU" sz="4000" spc="-1" strike="noStrike">
+            <a:endParaRPr b="0" lang="en-US" sz="4000" spc="-1" strike="noStrike">
               <a:latin typeface="Arial"/>
             </a:endParaRPr>
           </a:p>
@@ -3773,7 +3773,7 @@
                 <a:tab algn="l" pos="10058400"/>
               </a:tabLst>
             </a:pPr>
-            <a:endParaRPr b="0" lang="ru-RU" sz="4000" spc="-1" strike="noStrike">
+            <a:endParaRPr b="0" lang="en-US" sz="4000" spc="-1" strike="noStrike">
               <a:latin typeface="Arial"/>
             </a:endParaRPr>
           </a:p>
@@ -3797,7 +3797,7 @@
                 <a:tab algn="l" pos="10058400"/>
               </a:tabLst>
             </a:pPr>
-            <a:endParaRPr b="0" lang="ru-RU" sz="4000" spc="-1" strike="noStrike">
+            <a:endParaRPr b="0" lang="en-US" sz="4000" spc="-1" strike="noStrike">
               <a:latin typeface="Arial"/>
             </a:endParaRPr>
           </a:p>
@@ -3821,7 +3821,7 @@
                 <a:tab algn="l" pos="10058400"/>
               </a:tabLst>
             </a:pPr>
-            <a:endParaRPr b="0" lang="ru-RU" sz="4000" spc="-1" strike="noStrike">
+            <a:endParaRPr b="0" lang="en-US" sz="4000" spc="-1" strike="noStrike">
               <a:latin typeface="Arial"/>
             </a:endParaRPr>
           </a:p>
@@ -3855,7 +3855,7 @@
               </a:rPr>
               <a:t>«Разработка информационной системы</a:t>
             </a:r>
-            <a:endParaRPr b="0" lang="ru-RU" sz="2400" spc="-1" strike="noStrike">
+            <a:endParaRPr b="0" lang="en-US" sz="2400" spc="-1" strike="noStrike">
               <a:latin typeface="Arial"/>
             </a:endParaRPr>
           </a:p>
@@ -3889,7 +3889,7 @@
               </a:rPr>
               <a:t>управления аварийно-профилактической группой»</a:t>
             </a:r>
-            <a:endParaRPr b="0" lang="ru-RU" sz="2400" spc="-1" strike="noStrike">
+            <a:endParaRPr b="0" lang="en-US" sz="2400" spc="-1" strike="noStrike">
               <a:latin typeface="Arial"/>
             </a:endParaRPr>
           </a:p>
@@ -3913,7 +3913,7 @@
                 <a:tab algn="l" pos="10058400"/>
               </a:tabLst>
             </a:pPr>
-            <a:endParaRPr b="0" lang="ru-RU" sz="2400" spc="-1" strike="noStrike">
+            <a:endParaRPr b="0" lang="en-US" sz="2400" spc="-1" strike="noStrike">
               <a:latin typeface="Arial"/>
             </a:endParaRPr>
           </a:p>
@@ -3937,7 +3937,7 @@
                 <a:tab algn="l" pos="10058400"/>
               </a:tabLst>
             </a:pPr>
-            <a:endParaRPr b="0" lang="ru-RU" sz="2400" spc="-1" strike="noStrike">
+            <a:endParaRPr b="0" lang="en-US" sz="2400" spc="-1" strike="noStrike">
               <a:latin typeface="Arial"/>
             </a:endParaRPr>
           </a:p>
@@ -4011,7 +4011,7 @@
               </a:rPr>
               <a:t>Студент группы ИС-17</a:t>
             </a:r>
-            <a:endParaRPr b="0" lang="ru-RU" sz="2000" spc="-1" strike="noStrike">
+            <a:endParaRPr b="0" lang="en-US" sz="2000" spc="-1" strike="noStrike">
               <a:latin typeface="Arial"/>
             </a:endParaRPr>
           </a:p>
@@ -4085,7 +4085,7 @@
               </a:rPr>
               <a:t>Прядкин Д.Н.</a:t>
             </a:r>
-            <a:endParaRPr b="0" lang="ru-RU" sz="2000" spc="-1" strike="noStrike">
+            <a:endParaRPr b="0" lang="en-US" sz="2000" spc="-1" strike="noStrike">
               <a:latin typeface="Arial"/>
             </a:endParaRPr>
           </a:p>
@@ -4100,7 +4100,7 @@
         <p:spPr>
           <a:xfrm>
             <a:off x="8305920" y="6477120"/>
-            <a:ext cx="532080" cy="227520"/>
+            <a:ext cx="531720" cy="227160"/>
           </a:xfrm>
           <a:prstGeom prst="rect">
             <a:avLst/>
@@ -4135,13 +4135,6 @@
 <file path=ppt/slides/slide2.xml><?xml version="1.0" encoding="utf-8"?>
 <p:sld xmlns:a="http://schemas.openxmlformats.org/drawingml/2006/main" xmlns:p="http://schemas.openxmlformats.org/presentationml/2006/main" xmlns:r="http://schemas.openxmlformats.org/officeDocument/2006/relationships" xmlns:p14="http://schemas.microsoft.com/office/powerpoint/2010/main" xmlns:p15="http://schemas.microsoft.com/office/powerpoint/2012/main" xmlns:mc="http://schemas.openxmlformats.org/markup-compatibility/2006">
   <p:cSld>
-    <p:bg>
-      <p:bgPr>
-        <a:solidFill>
-          <a:srgbClr val="ffffff"/>
-        </a:solidFill>
-      </p:bgPr>
-    </p:bg>
     <p:spTree>
       <p:nvGrpSpPr>
         <p:cNvPr id="1" name=""/>
@@ -4165,7 +4158,7 @@
         <p:spPr>
           <a:xfrm>
             <a:off x="457200" y="274320"/>
-            <a:ext cx="8228520" cy="562320"/>
+            <a:ext cx="8228160" cy="561960"/>
           </a:xfrm>
           <a:prstGeom prst="rect">
             <a:avLst/>
@@ -4191,7 +4184,7 @@
         <p:spPr>
           <a:xfrm>
             <a:off x="228600" y="1219320"/>
-            <a:ext cx="6933240" cy="4905720"/>
+            <a:ext cx="6932880" cy="4905360"/>
           </a:xfrm>
           <a:prstGeom prst="rect">
             <a:avLst/>
@@ -4212,7 +4205,7 @@
             <a:normAutofit/>
           </a:bodyPr>
           <a:p>
-            <a:pPr marL="342720" indent="-341640">
+            <a:pPr marL="342720" indent="-341280">
               <a:lnSpc>
                 <a:spcPct val="90000"/>
               </a:lnSpc>
@@ -4223,12 +4216,12 @@
                 <a:tab algn="l" pos="0"/>
               </a:tabLst>
             </a:pPr>
-            <a:endParaRPr b="0" lang="ru-RU" sz="1800" spc="-1" strike="noStrike">
-              <a:latin typeface="Arial"/>
-            </a:endParaRPr>
-          </a:p>
-          <a:p>
-            <a:pPr marL="342720" indent="-341640" algn="just">
+            <a:endParaRPr b="0" lang="en-US" sz="1800" spc="-1" strike="noStrike">
+              <a:latin typeface="Arial"/>
+            </a:endParaRPr>
+          </a:p>
+          <a:p>
+            <a:pPr marL="342720" indent="-341280" algn="just">
               <a:lnSpc>
                 <a:spcPct val="90000"/>
               </a:lnSpc>
@@ -4236,7 +4229,7 @@
                 <a:tab algn="l" pos="0"/>
               </a:tabLst>
             </a:pPr>
-            <a:endParaRPr b="0" lang="ru-RU" sz="1800" spc="-1" strike="noStrike">
+            <a:endParaRPr b="0" lang="en-US" sz="1800" spc="-1" strike="noStrike">
               <a:latin typeface="Arial"/>
             </a:endParaRPr>
           </a:p>
@@ -4251,7 +4244,7 @@
         <p:spPr>
           <a:xfrm>
             <a:off x="685800" y="1371600"/>
-            <a:ext cx="7772400" cy="4343040"/>
+            <a:ext cx="7772040" cy="4342680"/>
           </a:xfrm>
           <a:prstGeom prst="rect">
             <a:avLst/>
@@ -4297,7 +4290,7 @@
               </a:rPr>
               <a:t>– проектирование и разработка информационной системы управления аварийно-профилактической группой.</a:t>
             </a:r>
-            <a:endParaRPr b="0" lang="ru-RU" sz="2400" spc="-1" strike="noStrike">
+            <a:endParaRPr b="0" lang="en-US" sz="2400" spc="-1" strike="noStrike">
               <a:latin typeface="Arial"/>
             </a:endParaRPr>
           </a:p>
@@ -4307,7 +4300,7 @@
                 <a:spcPct val="100000"/>
               </a:lnSpc>
             </a:pPr>
-            <a:endParaRPr b="0" lang="ru-RU" sz="2400" spc="-1" strike="noStrike">
+            <a:endParaRPr b="0" lang="en-US" sz="2400" spc="-1" strike="noStrike">
               <a:latin typeface="Arial"/>
             </a:endParaRPr>
           </a:p>
@@ -4337,7 +4330,7 @@
               </a:rPr>
               <a:t> – информационная система управления аварийно-профилактической группой.</a:t>
             </a:r>
-            <a:endParaRPr b="0" lang="ru-RU" sz="2400" spc="-1" strike="noStrike">
+            <a:endParaRPr b="0" lang="en-US" sz="2400" spc="-1" strike="noStrike">
               <a:latin typeface="Arial"/>
             </a:endParaRPr>
           </a:p>
@@ -4347,7 +4340,7 @@
                 <a:spcPct val="100000"/>
               </a:lnSpc>
             </a:pPr>
-            <a:endParaRPr b="0" lang="ru-RU" sz="2400" spc="-1" strike="noStrike">
+            <a:endParaRPr b="0" lang="en-US" sz="2400" spc="-1" strike="noStrike">
               <a:latin typeface="Arial"/>
             </a:endParaRPr>
           </a:p>
@@ -4377,7 +4370,7 @@
               </a:rPr>
               <a:t> – применение современных информационных технологий для создания информационной системы управления аварийно-профилактической группой.</a:t>
             </a:r>
-            <a:endParaRPr b="0" lang="ru-RU" sz="2400" spc="-1" strike="noStrike">
+            <a:endParaRPr b="0" lang="en-US" sz="2400" spc="-1" strike="noStrike">
               <a:latin typeface="Arial"/>
             </a:endParaRPr>
           </a:p>
@@ -4392,7 +4385,7 @@
         <p:spPr>
           <a:xfrm>
             <a:off x="457200" y="274320"/>
-            <a:ext cx="8228520" cy="562320"/>
+            <a:ext cx="8228160" cy="561960"/>
           </a:xfrm>
           <a:prstGeom prst="rect">
             <a:avLst/>
@@ -4413,7 +4406,11 @@
             <a:noAutofit/>
           </a:bodyPr>
           <a:p>
-            <a:pPr algn="just"/>
+            <a:pPr algn="ctr">
+              <a:lnSpc>
+                <a:spcPct val="100000"/>
+              </a:lnSpc>
+            </a:pPr>
             <a:r>
               <a:rPr b="0" lang="ru-RU" sz="3200" spc="-1" strike="noStrike">
                 <a:solidFill>
@@ -4424,7 +4421,7 @@
               </a:rPr>
               <a:t>Цель, объект и предмет исследования</a:t>
             </a:r>
-            <a:endParaRPr b="0" lang="ru-RU" sz="3200" spc="-1" strike="noStrike">
+            <a:endParaRPr b="0" lang="en-US" sz="3200" spc="-1" strike="noStrike">
               <a:latin typeface="Arial"/>
             </a:endParaRPr>
           </a:p>
@@ -4469,7 +4466,7 @@
         <p:spPr>
           <a:xfrm>
             <a:off x="457200" y="274320"/>
-            <a:ext cx="8228520" cy="562320"/>
+            <a:ext cx="8228160" cy="561960"/>
           </a:xfrm>
           <a:prstGeom prst="rect">
             <a:avLst/>
@@ -4495,7 +4492,7 @@
         <p:spPr>
           <a:xfrm>
             <a:off x="228600" y="1219320"/>
-            <a:ext cx="6933240" cy="4905720"/>
+            <a:ext cx="6932880" cy="4905360"/>
           </a:xfrm>
           <a:prstGeom prst="rect">
             <a:avLst/>
@@ -4516,7 +4513,7 @@
             <a:normAutofit/>
           </a:bodyPr>
           <a:p>
-            <a:pPr marL="342720" indent="-341640">
+            <a:pPr marL="342720" indent="-341280">
               <a:lnSpc>
                 <a:spcPct val="90000"/>
               </a:lnSpc>
@@ -4527,12 +4524,12 @@
                 <a:tab algn="l" pos="0"/>
               </a:tabLst>
             </a:pPr>
-            <a:endParaRPr b="0" lang="ru-RU" sz="1800" spc="-1" strike="noStrike">
-              <a:latin typeface="Arial"/>
-            </a:endParaRPr>
-          </a:p>
-          <a:p>
-            <a:pPr marL="342720" indent="-341640" algn="just">
+            <a:endParaRPr b="0" lang="en-US" sz="1800" spc="-1" strike="noStrike">
+              <a:latin typeface="Arial"/>
+            </a:endParaRPr>
+          </a:p>
+          <a:p>
+            <a:pPr marL="342720" indent="-341280" algn="just">
               <a:lnSpc>
                 <a:spcPct val="90000"/>
               </a:lnSpc>
@@ -4540,7 +4537,7 @@
                 <a:tab algn="l" pos="0"/>
               </a:tabLst>
             </a:pPr>
-            <a:endParaRPr b="0" lang="ru-RU" sz="1800" spc="-1" strike="noStrike">
+            <a:endParaRPr b="0" lang="en-US" sz="1800" spc="-1" strike="noStrike">
               <a:latin typeface="Arial"/>
             </a:endParaRPr>
           </a:p>
@@ -4555,7 +4552,7 @@
         <p:spPr>
           <a:xfrm>
             <a:off x="457200" y="1219320"/>
-            <a:ext cx="8229600" cy="4495320"/>
+            <a:ext cx="8229240" cy="4494960"/>
           </a:xfrm>
           <a:prstGeom prst="rect">
             <a:avLst/>
@@ -4576,7 +4573,7 @@
             <a:noAutofit/>
           </a:bodyPr>
           <a:p>
-            <a:pPr marL="216000" indent="-216000">
+            <a:pPr marL="216000" indent="-215640">
               <a:lnSpc>
                 <a:spcPct val="100000"/>
               </a:lnSpc>
@@ -4600,33 +4597,25 @@
               </a:rPr>
               <a:t>изучить основные характеристики систем управления работами, определить их задачи и функции;</a:t>
             </a:r>
-            <a:endParaRPr b="0" lang="ru-RU" sz="2400" spc="-1" strike="noStrike">
-              <a:latin typeface="Arial"/>
-              <a:ea typeface="Microsoft YaHei"/>
-            </a:endParaRPr>
-          </a:p>
-          <a:p>
-            <a:pPr marL="216000" indent="-216000" algn="just">
+            <a:endParaRPr b="0" lang="en-US" sz="2400" spc="-1" strike="noStrike">
+              <a:latin typeface="Arial"/>
+            </a:endParaRPr>
+          </a:p>
+          <a:p>
+            <a:pPr algn="just">
               <a:lnSpc>
                 <a:spcPct val="100000"/>
               </a:lnSpc>
-              <a:buClr>
-                <a:srgbClr val="000000"/>
-              </a:buClr>
-              <a:buSzPct val="45000"/>
-              <a:buFont typeface="Wingdings" charset="2"/>
-              <a:buChar char=""/>
               <a:tabLst>
                 <a:tab algn="l" pos="540360"/>
               </a:tabLst>
             </a:pPr>
-            <a:endParaRPr b="0" lang="ru-RU" sz="2400" spc="-1" strike="noStrike">
-              <a:latin typeface="Arial"/>
-              <a:ea typeface="Microsoft YaHei"/>
-            </a:endParaRPr>
-          </a:p>
-          <a:p>
-            <a:pPr marL="216000" indent="-216000">
+            <a:endParaRPr b="0" lang="en-US" sz="2400" spc="-1" strike="noStrike">
+              <a:latin typeface="Arial"/>
+            </a:endParaRPr>
+          </a:p>
+          <a:p>
+            <a:pPr marL="216000" indent="-215640">
               <a:lnSpc>
                 <a:spcPct val="100000"/>
               </a:lnSpc>
@@ -4650,13 +4639,25 @@
               </a:rPr>
               <a:t>обозначить аудиторию и предметную область разрабатываемой системы управления аварийно-профилактической группой, функции, которые она будет выполнять; определить информационную составляющую;</a:t>
             </a:r>
-            <a:endParaRPr b="0" lang="ru-RU" sz="2400" spc="-1" strike="noStrike">
-              <a:latin typeface="Arial"/>
-              <a:ea typeface="Microsoft YaHei"/>
-            </a:endParaRPr>
-          </a:p>
-          <a:p>
-            <a:pPr marL="216000" indent="-216000" algn="just">
+            <a:endParaRPr b="0" lang="en-US" sz="2400" spc="-1" strike="noStrike">
+              <a:latin typeface="Arial"/>
+            </a:endParaRPr>
+          </a:p>
+          <a:p>
+            <a:pPr algn="just">
+              <a:lnSpc>
+                <a:spcPct val="100000"/>
+              </a:lnSpc>
+              <a:tabLst>
+                <a:tab algn="l" pos="540360"/>
+              </a:tabLst>
+            </a:pPr>
+            <a:endParaRPr b="0" lang="en-US" sz="2400" spc="-1" strike="noStrike">
+              <a:latin typeface="Arial"/>
+            </a:endParaRPr>
+          </a:p>
+          <a:p>
+            <a:pPr marL="216000" indent="-215640">
               <a:lnSpc>
                 <a:spcPct val="100000"/>
               </a:lnSpc>
@@ -4670,23 +4671,6 @@
                 <a:tab algn="l" pos="540360"/>
               </a:tabLst>
             </a:pPr>
-            <a:endParaRPr b="0" lang="ru-RU" sz="2400" spc="-1" strike="noStrike">
-              <a:latin typeface="Arial"/>
-              <a:ea typeface="Microsoft YaHei"/>
-            </a:endParaRPr>
-          </a:p>
-          <a:p>
-            <a:pPr marL="216000" indent="-216000">
-              <a:lnSpc>
-                <a:spcPct val="100000"/>
-              </a:lnSpc>
-              <a:buClr>
-                <a:srgbClr val="000000"/>
-              </a:buClr>
-              <a:buSzPct val="45000"/>
-              <a:buFont typeface="Wingdings" charset="2"/>
-              <a:buChar char=""/>
-            </a:pPr>
             <a:r>
               <a:rPr b="0" i="1" lang="ru-RU" sz="2400" spc="-1" strike="noStrike">
                 <a:solidFill>
@@ -4697,9 +4681,8 @@
               </a:rPr>
               <a:t>выбрать программные средства и разработать систему управления аварийно-профилактической группой.</a:t>
             </a:r>
-            <a:endParaRPr b="0" lang="ru-RU" sz="2400" spc="-1" strike="noStrike">
-              <a:latin typeface="Arial"/>
-              <a:ea typeface="Microsoft YaHei"/>
+            <a:endParaRPr b="0" lang="en-US" sz="2400" spc="-1" strike="noStrike">
+              <a:latin typeface="Arial"/>
             </a:endParaRPr>
           </a:p>
         </p:txBody>
@@ -4713,7 +4696,7 @@
         <p:spPr>
           <a:xfrm>
             <a:off x="457200" y="274320"/>
-            <a:ext cx="8228520" cy="562320"/>
+            <a:ext cx="8228160" cy="561960"/>
           </a:xfrm>
           <a:prstGeom prst="rect">
             <a:avLst/>
@@ -4734,7 +4717,11 @@
             <a:noAutofit/>
           </a:bodyPr>
           <a:p>
-            <a:pPr algn="ctr"/>
+            <a:pPr algn="ctr">
+              <a:lnSpc>
+                <a:spcPct val="100000"/>
+              </a:lnSpc>
+            </a:pPr>
             <a:r>
               <a:rPr b="0" lang="ru-RU" sz="3200" spc="-1" strike="noStrike">
                 <a:solidFill>
@@ -4745,7 +4732,7 @@
               </a:rPr>
               <a:t>Основные задачи</a:t>
             </a:r>
-            <a:endParaRPr b="0" lang="ru-RU" sz="3200" spc="-1" strike="noStrike">
+            <a:endParaRPr b="0" lang="en-US" sz="3200" spc="-1" strike="noStrike">
               <a:latin typeface="Arial"/>
             </a:endParaRPr>
           </a:p>
@@ -4790,7 +4777,7 @@
         <p:spPr>
           <a:xfrm>
             <a:off x="457200" y="274320"/>
-            <a:ext cx="8228520" cy="562320"/>
+            <a:ext cx="8228160" cy="561960"/>
           </a:xfrm>
           <a:prstGeom prst="rect">
             <a:avLst/>
@@ -4816,7 +4803,7 @@
         <p:spPr>
           <a:xfrm>
             <a:off x="228600" y="1219320"/>
-            <a:ext cx="6933240" cy="4905720"/>
+            <a:ext cx="6932880" cy="4905360"/>
           </a:xfrm>
           <a:prstGeom prst="rect">
             <a:avLst/>
@@ -4837,7 +4824,7 @@
             <a:normAutofit/>
           </a:bodyPr>
           <a:p>
-            <a:pPr marL="342720" indent="-341640">
+            <a:pPr marL="342720" indent="-341280">
               <a:lnSpc>
                 <a:spcPct val="90000"/>
               </a:lnSpc>
@@ -4848,12 +4835,12 @@
                 <a:tab algn="l" pos="0"/>
               </a:tabLst>
             </a:pPr>
-            <a:endParaRPr b="0" lang="ru-RU" sz="1800" spc="-1" strike="noStrike">
-              <a:latin typeface="Arial"/>
-            </a:endParaRPr>
-          </a:p>
-          <a:p>
-            <a:pPr marL="342720" indent="-341640" algn="just">
+            <a:endParaRPr b="0" lang="en-US" sz="1800" spc="-1" strike="noStrike">
+              <a:latin typeface="Arial"/>
+            </a:endParaRPr>
+          </a:p>
+          <a:p>
+            <a:pPr marL="342720" indent="-341280" algn="just">
               <a:lnSpc>
                 <a:spcPct val="90000"/>
               </a:lnSpc>
@@ -4861,7 +4848,7 @@
                 <a:tab algn="l" pos="0"/>
               </a:tabLst>
             </a:pPr>
-            <a:endParaRPr b="0" lang="ru-RU" sz="1800" spc="-1" strike="noStrike">
+            <a:endParaRPr b="0" lang="en-US" sz="1800" spc="-1" strike="noStrike">
               <a:latin typeface="Arial"/>
             </a:endParaRPr>
           </a:p>
@@ -4876,7 +4863,7 @@
         <p:spPr>
           <a:xfrm>
             <a:off x="457200" y="274320"/>
-            <a:ext cx="8228520" cy="562320"/>
+            <a:ext cx="8228160" cy="561960"/>
           </a:xfrm>
           <a:prstGeom prst="rect">
             <a:avLst/>
@@ -4897,7 +4884,11 @@
             <a:noAutofit/>
           </a:bodyPr>
           <a:p>
-            <a:pPr algn="ctr"/>
+            <a:pPr algn="ctr">
+              <a:lnSpc>
+                <a:spcPct val="100000"/>
+              </a:lnSpc>
+            </a:pPr>
             <a:r>
               <a:rPr b="0" lang="ru-RU" sz="3200" spc="-1" strike="noStrike">
                 <a:solidFill>
@@ -4908,7 +4899,7 @@
               </a:rPr>
               <a:t>Диаграмма прецедентов</a:t>
             </a:r>
-            <a:endParaRPr b="0" lang="ru-RU" sz="3200" spc="-1" strike="noStrike">
+            <a:endParaRPr b="0" lang="en-US" sz="3200" spc="-1" strike="noStrike">
               <a:latin typeface="Arial"/>
             </a:endParaRPr>
           </a:p>
@@ -4927,7 +4918,7 @@
         <p:spPr>
           <a:xfrm>
             <a:off x="685800" y="1055160"/>
-            <a:ext cx="4114800" cy="5423400"/>
+            <a:ext cx="4114440" cy="5423040"/>
           </a:xfrm>
           <a:prstGeom prst="rect">
             <a:avLst/>
@@ -4950,7 +4941,7 @@
         <p:spPr>
           <a:xfrm>
             <a:off x="5069520" y="1600200"/>
-            <a:ext cx="3357360" cy="3886200"/>
+            <a:ext cx="3357000" cy="3885840"/>
           </a:xfrm>
           <a:prstGeom prst="rect">
             <a:avLst/>
@@ -4999,7 +4990,7 @@
         <p:spPr>
           <a:xfrm>
             <a:off x="457200" y="274320"/>
-            <a:ext cx="8228520" cy="562320"/>
+            <a:ext cx="8228160" cy="561960"/>
           </a:xfrm>
           <a:prstGeom prst="rect">
             <a:avLst/>
@@ -5020,7 +5011,11 @@
             <a:noAutofit/>
           </a:bodyPr>
           <a:p>
-            <a:pPr algn="just"/>
+            <a:pPr algn="just">
+              <a:lnSpc>
+                <a:spcPct val="100000"/>
+              </a:lnSpc>
+            </a:pPr>
             <a:r>
               <a:rPr b="0" lang="ru-RU" sz="3200" spc="-1" strike="noStrike">
                 <a:solidFill>
@@ -5031,7 +5026,7 @@
               </a:rPr>
               <a:t>Даталогическая модель базы данных</a:t>
             </a:r>
-            <a:endParaRPr b="0" lang="ru-RU" sz="3200" spc="-1" strike="noStrike">
+            <a:endParaRPr b="0" lang="en-US" sz="3200" spc="-1" strike="noStrike">
               <a:latin typeface="Arial"/>
             </a:endParaRPr>
           </a:p>
@@ -5046,7 +5041,7 @@
         <p:spPr>
           <a:xfrm>
             <a:off x="228600" y="1219320"/>
-            <a:ext cx="6933240" cy="4905720"/>
+            <a:ext cx="6932880" cy="4905360"/>
           </a:xfrm>
           <a:prstGeom prst="rect">
             <a:avLst/>
@@ -5067,7 +5062,7 @@
             <a:normAutofit/>
           </a:bodyPr>
           <a:p>
-            <a:pPr marL="342720" indent="-341640">
+            <a:pPr marL="342720" indent="-341280">
               <a:lnSpc>
                 <a:spcPct val="90000"/>
               </a:lnSpc>
@@ -5078,12 +5073,12 @@
                 <a:tab algn="l" pos="0"/>
               </a:tabLst>
             </a:pPr>
-            <a:endParaRPr b="0" lang="ru-RU" sz="1800" spc="-1" strike="noStrike">
-              <a:latin typeface="Arial"/>
-            </a:endParaRPr>
-          </a:p>
-          <a:p>
-            <a:pPr marL="342720" indent="-341640" algn="just">
+            <a:endParaRPr b="0" lang="en-US" sz="1800" spc="-1" strike="noStrike">
+              <a:latin typeface="Arial"/>
+            </a:endParaRPr>
+          </a:p>
+          <a:p>
+            <a:pPr marL="342720" indent="-341280" algn="just">
               <a:lnSpc>
                 <a:spcPct val="90000"/>
               </a:lnSpc>
@@ -5091,7 +5086,7 @@
                 <a:tab algn="l" pos="0"/>
               </a:tabLst>
             </a:pPr>
-            <a:endParaRPr b="0" lang="ru-RU" sz="1800" spc="-1" strike="noStrike">
+            <a:endParaRPr b="0" lang="en-US" sz="1800" spc="-1" strike="noStrike">
               <a:latin typeface="Arial"/>
             </a:endParaRPr>
           </a:p>
@@ -5110,7 +5105,7 @@
         <p:spPr>
           <a:xfrm>
             <a:off x="1371600" y="1061280"/>
-            <a:ext cx="6629400" cy="5339520"/>
+            <a:ext cx="6629040" cy="5339160"/>
           </a:xfrm>
           <a:prstGeom prst="rect">
             <a:avLst/>
@@ -5136,13 +5131,6 @@
 <file path=ppt/slides/slide6.xml><?xml version="1.0" encoding="utf-8"?>
 <p:sld xmlns:a="http://schemas.openxmlformats.org/drawingml/2006/main" xmlns:p="http://schemas.openxmlformats.org/presentationml/2006/main" xmlns:r="http://schemas.openxmlformats.org/officeDocument/2006/relationships" xmlns:p14="http://schemas.microsoft.com/office/powerpoint/2010/main" xmlns:p15="http://schemas.microsoft.com/office/powerpoint/2012/main" xmlns:mc="http://schemas.openxmlformats.org/markup-compatibility/2006">
   <p:cSld>
-    <p:bg>
-      <p:bgPr>
-        <a:solidFill>
-          <a:srgbClr val="ffffff"/>
-        </a:solidFill>
-      </p:bgPr>
-    </p:bg>
     <p:spTree>
       <p:nvGrpSpPr>
         <p:cNvPr id="1" name=""/>
@@ -5166,7 +5154,7 @@
         <p:spPr>
           <a:xfrm>
             <a:off x="457200" y="274320"/>
-            <a:ext cx="8228520" cy="562320"/>
+            <a:ext cx="8228160" cy="561960"/>
           </a:xfrm>
           <a:prstGeom prst="rect">
             <a:avLst/>
@@ -5247,7 +5235,7 @@
         <p:spPr>
           <a:xfrm>
             <a:off x="228600" y="1219320"/>
-            <a:ext cx="6933240" cy="4905720"/>
+            <a:ext cx="6932880" cy="4905360"/>
           </a:xfrm>
           <a:prstGeom prst="rect">
             <a:avLst/>
@@ -5268,7 +5256,7 @@
             <a:normAutofit/>
           </a:bodyPr>
           <a:p>
-            <a:pPr marL="342720" indent="-341640">
+            <a:pPr marL="342720" indent="-341280">
               <a:lnSpc>
                 <a:spcPct val="90000"/>
               </a:lnSpc>
@@ -5279,12 +5267,12 @@
                 <a:tab algn="l" pos="0"/>
               </a:tabLst>
             </a:pPr>
-            <a:endParaRPr b="0" lang="ru-RU" sz="1800" spc="-1" strike="noStrike">
-              <a:latin typeface="Arial"/>
-            </a:endParaRPr>
-          </a:p>
-          <a:p>
-            <a:pPr marL="342720" indent="-341640" algn="just">
+            <a:endParaRPr b="0" lang="en-US" sz="1800" spc="-1" strike="noStrike">
+              <a:latin typeface="Arial"/>
+            </a:endParaRPr>
+          </a:p>
+          <a:p>
+            <a:pPr marL="342720" indent="-341280" algn="just">
               <a:lnSpc>
                 <a:spcPct val="90000"/>
               </a:lnSpc>
@@ -5292,7 +5280,7 @@
                 <a:tab algn="l" pos="0"/>
               </a:tabLst>
             </a:pPr>
-            <a:endParaRPr b="0" lang="ru-RU" sz="1800" spc="-1" strike="noStrike">
+            <a:endParaRPr b="0" lang="en-US" sz="1800" spc="-1" strike="noStrike">
               <a:latin typeface="Arial"/>
             </a:endParaRPr>
           </a:p>
@@ -5311,7 +5299,7 @@
         <p:spPr>
           <a:xfrm>
             <a:off x="1600200" y="1838520"/>
-            <a:ext cx="6076440" cy="2962080"/>
+            <a:ext cx="6076080" cy="2961720"/>
           </a:xfrm>
           <a:prstGeom prst="rect">
             <a:avLst/>
@@ -5337,13 +5325,6 @@
 <file path=ppt/slides/slide7.xml><?xml version="1.0" encoding="utf-8"?>
 <p:sld xmlns:a="http://schemas.openxmlformats.org/drawingml/2006/main" xmlns:p="http://schemas.openxmlformats.org/presentationml/2006/main" xmlns:r="http://schemas.openxmlformats.org/officeDocument/2006/relationships" xmlns:p14="http://schemas.microsoft.com/office/powerpoint/2010/main" xmlns:p15="http://schemas.microsoft.com/office/powerpoint/2012/main" xmlns:mc="http://schemas.openxmlformats.org/markup-compatibility/2006">
   <p:cSld>
-    <p:bg>
-      <p:bgPr>
-        <a:solidFill>
-          <a:srgbClr val="ffffff"/>
-        </a:solidFill>
-      </p:bgPr>
-    </p:bg>
     <p:spTree>
       <p:nvGrpSpPr>
         <p:cNvPr id="1" name=""/>
@@ -5367,7 +5348,7 @@
         <p:spPr>
           <a:xfrm>
             <a:off x="457200" y="274320"/>
-            <a:ext cx="8228520" cy="562320"/>
+            <a:ext cx="8228160" cy="561960"/>
           </a:xfrm>
           <a:prstGeom prst="rect">
             <a:avLst/>
@@ -5418,7 +5399,7 @@
         <p:spPr>
           <a:xfrm>
             <a:off x="228600" y="1219320"/>
-            <a:ext cx="6933240" cy="4905720"/>
+            <a:ext cx="6932880" cy="4905360"/>
           </a:xfrm>
           <a:prstGeom prst="rect">
             <a:avLst/>
@@ -5439,7 +5420,7 @@
             <a:normAutofit/>
           </a:bodyPr>
           <a:p>
-            <a:pPr marL="342720" indent="-341640">
+            <a:pPr marL="342720" indent="-341280">
               <a:lnSpc>
                 <a:spcPct val="90000"/>
               </a:lnSpc>
@@ -5450,12 +5431,12 @@
                 <a:tab algn="l" pos="0"/>
               </a:tabLst>
             </a:pPr>
-            <a:endParaRPr b="0" lang="ru-RU" sz="1800" spc="-1" strike="noStrike">
-              <a:latin typeface="Arial"/>
-            </a:endParaRPr>
-          </a:p>
-          <a:p>
-            <a:pPr marL="342720" indent="-341640" algn="just">
+            <a:endParaRPr b="0" lang="en-US" sz="1800" spc="-1" strike="noStrike">
+              <a:latin typeface="Arial"/>
+            </a:endParaRPr>
+          </a:p>
+          <a:p>
+            <a:pPr marL="342720" indent="-341280" algn="just">
               <a:lnSpc>
                 <a:spcPct val="90000"/>
               </a:lnSpc>
@@ -5463,7 +5444,7 @@
                 <a:tab algn="l" pos="0"/>
               </a:tabLst>
             </a:pPr>
-            <a:endParaRPr b="0" lang="ru-RU" sz="1800" spc="-1" strike="noStrike">
+            <a:endParaRPr b="0" lang="en-US" sz="1800" spc="-1" strike="noStrike">
               <a:latin typeface="Arial"/>
             </a:endParaRPr>
           </a:p>
@@ -5482,7 +5463,7 @@
         <p:spPr>
           <a:xfrm>
             <a:off x="1828800" y="836640"/>
-            <a:ext cx="5715000" cy="5715000"/>
+            <a:ext cx="5714640" cy="5714640"/>
           </a:xfrm>
           <a:prstGeom prst="rect">
             <a:avLst/>
@@ -5508,13 +5489,6 @@
 <file path=ppt/slides/slide8.xml><?xml version="1.0" encoding="utf-8"?>
 <p:sld xmlns:a="http://schemas.openxmlformats.org/drawingml/2006/main" xmlns:p="http://schemas.openxmlformats.org/presentationml/2006/main" xmlns:r="http://schemas.openxmlformats.org/officeDocument/2006/relationships" xmlns:p14="http://schemas.microsoft.com/office/powerpoint/2010/main" xmlns:p15="http://schemas.microsoft.com/office/powerpoint/2012/main" xmlns:mc="http://schemas.openxmlformats.org/markup-compatibility/2006">
   <p:cSld>
-    <p:bg>
-      <p:bgPr>
-        <a:solidFill>
-          <a:srgbClr val="ffffff"/>
-        </a:solidFill>
-      </p:bgPr>
-    </p:bg>
     <p:spTree>
       <p:nvGrpSpPr>
         <p:cNvPr id="1" name=""/>
@@ -5538,7 +5512,7 @@
         <p:spPr>
           <a:xfrm>
             <a:off x="457200" y="274320"/>
-            <a:ext cx="8228520" cy="562320"/>
+            <a:ext cx="8228160" cy="561960"/>
           </a:xfrm>
           <a:prstGeom prst="rect">
             <a:avLst/>
@@ -5572,17 +5546,7 @@
                 <a:latin typeface="Arial"/>
                 <a:ea typeface="Calibri"/>
               </a:rPr>
-              <a:t>Диаграмма класса </a:t>
-            </a:r>
-            <a:r>
-              <a:rPr b="0" lang="ru-RU" sz="3200" spc="-1" strike="noStrike">
-                <a:solidFill>
-                  <a:srgbClr val="42679b"/>
-                </a:solidFill>
-                <a:latin typeface="Arial"/>
-                <a:ea typeface="Calibri"/>
-              </a:rPr>
-              <a:t>View</a:t>
+              <a:t>Диаграмма класса View</a:t>
             </a:r>
             <a:endParaRPr b="0" lang="en-US" sz="3200" spc="-1" strike="noStrike">
               <a:latin typeface="Arial"/>
@@ -5599,7 +5563,7 @@
         <p:spPr>
           <a:xfrm>
             <a:off x="228600" y="1219320"/>
-            <a:ext cx="6933240" cy="4905720"/>
+            <a:ext cx="6932880" cy="4905360"/>
           </a:xfrm>
           <a:prstGeom prst="rect">
             <a:avLst/>
@@ -5620,7 +5584,7 @@
             <a:normAutofit/>
           </a:bodyPr>
           <a:p>
-            <a:pPr marL="342720" indent="-341640">
+            <a:pPr marL="342720" indent="-341280">
               <a:lnSpc>
                 <a:spcPct val="90000"/>
               </a:lnSpc>
@@ -5631,12 +5595,12 @@
                 <a:tab algn="l" pos="0"/>
               </a:tabLst>
             </a:pPr>
-            <a:endParaRPr b="0" lang="ru-RU" sz="1800" spc="-1" strike="noStrike">
-              <a:latin typeface="Arial"/>
-            </a:endParaRPr>
-          </a:p>
-          <a:p>
-            <a:pPr marL="342720" indent="-341640" algn="just">
+            <a:endParaRPr b="0" lang="en-US" sz="1800" spc="-1" strike="noStrike">
+              <a:latin typeface="Arial"/>
+            </a:endParaRPr>
+          </a:p>
+          <a:p>
+            <a:pPr marL="342720" indent="-341280" algn="just">
               <a:lnSpc>
                 <a:spcPct val="90000"/>
               </a:lnSpc>
@@ -5644,7 +5608,7 @@
                 <a:tab algn="l" pos="0"/>
               </a:tabLst>
             </a:pPr>
-            <a:endParaRPr b="0" lang="ru-RU" sz="1800" spc="-1" strike="noStrike">
+            <a:endParaRPr b="0" lang="en-US" sz="1800" spc="-1" strike="noStrike">
               <a:latin typeface="Arial"/>
             </a:endParaRPr>
           </a:p>
@@ -5663,7 +5627,7 @@
         <p:spPr>
           <a:xfrm>
             <a:off x="3596040" y="1600200"/>
-            <a:ext cx="2118960" cy="4372560"/>
+            <a:ext cx="2118600" cy="4372200"/>
           </a:xfrm>
           <a:prstGeom prst="rect">
             <a:avLst/>
@@ -5689,13 +5653,6 @@
 <file path=ppt/slides/slide9.xml><?xml version="1.0" encoding="utf-8"?>
 <p:sld xmlns:a="http://schemas.openxmlformats.org/drawingml/2006/main" xmlns:p="http://schemas.openxmlformats.org/presentationml/2006/main" xmlns:r="http://schemas.openxmlformats.org/officeDocument/2006/relationships" xmlns:p14="http://schemas.microsoft.com/office/powerpoint/2010/main" xmlns:p15="http://schemas.microsoft.com/office/powerpoint/2012/main" xmlns:mc="http://schemas.openxmlformats.org/markup-compatibility/2006">
   <p:cSld>
-    <p:bg>
-      <p:bgPr>
-        <a:solidFill>
-          <a:srgbClr val="ffffff"/>
-        </a:solidFill>
-      </p:bgPr>
-    </p:bg>
     <p:spTree>
       <p:nvGrpSpPr>
         <p:cNvPr id="1" name=""/>
@@ -5719,7 +5676,7 @@
         <p:spPr>
           <a:xfrm>
             <a:off x="457200" y="274320"/>
-            <a:ext cx="8228520" cy="562320"/>
+            <a:ext cx="8228160" cy="561960"/>
           </a:xfrm>
           <a:prstGeom prst="rect">
             <a:avLst/>
@@ -5780,7 +5737,7 @@
         <p:spPr>
           <a:xfrm>
             <a:off x="228600" y="1219320"/>
-            <a:ext cx="6933240" cy="4905720"/>
+            <a:ext cx="6932880" cy="4905360"/>
           </a:xfrm>
           <a:prstGeom prst="rect">
             <a:avLst/>
@@ -5801,7 +5758,7 @@
             <a:normAutofit/>
           </a:bodyPr>
           <a:p>
-            <a:pPr marL="342720" indent="-341640">
+            <a:pPr marL="342720" indent="-341280">
               <a:lnSpc>
                 <a:spcPct val="90000"/>
               </a:lnSpc>
@@ -5812,12 +5769,12 @@
                 <a:tab algn="l" pos="0"/>
               </a:tabLst>
             </a:pPr>
-            <a:endParaRPr b="0" lang="ru-RU" sz="1800" spc="-1" strike="noStrike">
-              <a:latin typeface="Arial"/>
-            </a:endParaRPr>
-          </a:p>
-          <a:p>
-            <a:pPr marL="342720" indent="-341640" algn="just">
+            <a:endParaRPr b="0" lang="en-US" sz="1800" spc="-1" strike="noStrike">
+              <a:latin typeface="Arial"/>
+            </a:endParaRPr>
+          </a:p>
+          <a:p>
+            <a:pPr marL="342720" indent="-341280" algn="just">
               <a:lnSpc>
                 <a:spcPct val="90000"/>
               </a:lnSpc>
@@ -5825,7 +5782,7 @@
                 <a:tab algn="l" pos="0"/>
               </a:tabLst>
             </a:pPr>
-            <a:endParaRPr b="0" lang="ru-RU" sz="1800" spc="-1" strike="noStrike">
+            <a:endParaRPr b="0" lang="en-US" sz="1800" spc="-1" strike="noStrike">
               <a:latin typeface="Arial"/>
             </a:endParaRPr>
           </a:p>
@@ -5844,7 +5801,7 @@
         <p:spPr>
           <a:xfrm>
             <a:off x="424800" y="1054080"/>
-            <a:ext cx="8294400" cy="5070960"/>
+            <a:ext cx="8294040" cy="5070600"/>
           </a:xfrm>
           <a:prstGeom prst="rect">
             <a:avLst/>
